--- a/doc/Design_of_ssm_psd.pptx
+++ b/doc/Design_of_ssm_psd.pptx
@@ -171,48 +171,8 @@
 </p:cmAuthorLst>
 </file>
 
-<file path=ppt/revisionInfo.xml><?xml version="1.0" encoding="utf-8"?>
-<p1510:revInfo xmlns:a="http://schemas.openxmlformats.org/drawingml/2006/main" xmlns:r="http://schemas.openxmlformats.org/officeDocument/2006/relationships" xmlns:p1510="http://schemas.microsoft.com/office/powerpoint/2015/10/main">
-  <p1510:revLst>
-    <p1510:client id="{13754DC5-F8E2-4166-BB1C-1D9DFC09BD20}" v="4" dt="2024-03-24T09:54:43.134"/>
-  </p1510:revLst>
-</p1510:revInfo>
-</file>
-
 <file path=ppt/changesInfos/changesInfo1.xml><?xml version="1.0" encoding="utf-8"?>
 <pc:chgInfo xmlns:a="http://schemas.openxmlformats.org/drawingml/2006/main" xmlns:r="http://schemas.openxmlformats.org/officeDocument/2006/relationships" xmlns:ac="http://schemas.microsoft.com/office/drawing/2013/main/command" xmlns:pc="http://schemas.microsoft.com/office/powerpoint/2013/main/command">
-  <pc:docChgLst>
-    <pc:chgData name="Øyvind Wiig Petersen" userId="8db00c4c-acc5-4dea-8516-ccf730572e42" providerId="ADAL" clId="{590B885A-26CC-4389-B5A6-C6D1F31E2844}"/>
-    <pc:docChg chg="modSld">
-      <pc:chgData name="Øyvind Wiig Petersen" userId="8db00c4c-acc5-4dea-8516-ccf730572e42" providerId="ADAL" clId="{590B885A-26CC-4389-B5A6-C6D1F31E2844}" dt="2022-05-21T19:49:04.869" v="12" actId="1076"/>
-      <pc:docMkLst>
-        <pc:docMk/>
-      </pc:docMkLst>
-      <pc:sldChg chg="addSp modSp mod">
-        <pc:chgData name="Øyvind Wiig Petersen" userId="8db00c4c-acc5-4dea-8516-ccf730572e42" providerId="ADAL" clId="{590B885A-26CC-4389-B5A6-C6D1F31E2844}" dt="2022-05-21T19:49:04.869" v="12" actId="1076"/>
-        <pc:sldMkLst>
-          <pc:docMk/>
-          <pc:sldMk cId="531684205" sldId="614"/>
-        </pc:sldMkLst>
-        <pc:graphicFrameChg chg="add mod">
-          <ac:chgData name="Øyvind Wiig Petersen" userId="8db00c4c-acc5-4dea-8516-ccf730572e42" providerId="ADAL" clId="{590B885A-26CC-4389-B5A6-C6D1F31E2844}" dt="2022-05-21T19:49:04.869" v="12" actId="1076"/>
-          <ac:graphicFrameMkLst>
-            <pc:docMk/>
-            <pc:sldMk cId="531684205" sldId="614"/>
-            <ac:graphicFrameMk id="3" creationId="{05031DC9-E01F-4BF8-B625-380AC2193A83}"/>
-          </ac:graphicFrameMkLst>
-        </pc:graphicFrameChg>
-        <pc:graphicFrameChg chg="mod">
-          <ac:chgData name="Øyvind Wiig Petersen" userId="8db00c4c-acc5-4dea-8516-ccf730572e42" providerId="ADAL" clId="{590B885A-26CC-4389-B5A6-C6D1F31E2844}" dt="2022-05-21T19:48:49.385" v="7" actId="14100"/>
-          <ac:graphicFrameMkLst>
-            <pc:docMk/>
-            <pc:sldMk cId="531684205" sldId="614"/>
-            <ac:graphicFrameMk id="10" creationId="{705CB2F5-9F0E-40F3-81BC-42746D822C1C}"/>
-          </ac:graphicFrameMkLst>
-        </pc:graphicFrameChg>
-      </pc:sldChg>
-    </pc:docChg>
-  </pc:docChgLst>
   <pc:docChgLst>
     <pc:chgData name="Øyvind Wiig Petersen" userId="8db00c4c-acc5-4dea-8516-ccf730572e42" providerId="ADAL" clId="{CFA7147A-E208-4CC9-96A9-0CE1C9C8358B}"/>
     <pc:docChg chg="undo custSel addSld delSld modSld">
@@ -553,623 +513,6 @@
             <pc:docMk/>
             <pc:sldMk cId="2207100053" sldId="635"/>
             <ac:graphicFrameMk id="5" creationId="{FF9DB076-4D24-0CA9-70A3-0B21C3261F25}"/>
-          </ac:graphicFrameMkLst>
-        </pc:graphicFrameChg>
-      </pc:sldChg>
-    </pc:docChg>
-  </pc:docChgLst>
-  <pc:docChgLst>
-    <pc:chgData name="Øyvind Wiig Petersen" userId="8db00c4c-acc5-4dea-8516-ccf730572e42" providerId="ADAL" clId="{13754DC5-F8E2-4166-BB1C-1D9DFC09BD20}"/>
-    <pc:docChg chg="custSel delSld modSld">
-      <pc:chgData name="Øyvind Wiig Petersen" userId="8db00c4c-acc5-4dea-8516-ccf730572e42" providerId="ADAL" clId="{13754DC5-F8E2-4166-BB1C-1D9DFC09BD20}" dt="2024-03-24T09:55:49.401" v="12" actId="2696"/>
-      <pc:docMkLst>
-        <pc:docMk/>
-      </pc:docMkLst>
-      <pc:sldChg chg="modSp">
-        <pc:chgData name="Øyvind Wiig Petersen" userId="8db00c4c-acc5-4dea-8516-ccf730572e42" providerId="ADAL" clId="{13754DC5-F8E2-4166-BB1C-1D9DFC09BD20}" dt="2024-03-24T09:54:43.134" v="4" actId="2085"/>
-        <pc:sldMkLst>
-          <pc:docMk/>
-          <pc:sldMk cId="2140013030" sldId="629"/>
-        </pc:sldMkLst>
-        <pc:graphicFrameChg chg="mod">
-          <ac:chgData name="Øyvind Wiig Petersen" userId="8db00c4c-acc5-4dea-8516-ccf730572e42" providerId="ADAL" clId="{13754DC5-F8E2-4166-BB1C-1D9DFC09BD20}" dt="2024-03-24T09:54:38.951" v="1" actId="2085"/>
-          <ac:graphicFrameMkLst>
-            <pc:docMk/>
-            <pc:sldMk cId="2140013030" sldId="629"/>
-            <ac:graphicFrameMk id="3" creationId="{A439AC10-00F3-B086-3093-90D99EA23B01}"/>
-          </ac:graphicFrameMkLst>
-        </pc:graphicFrameChg>
-        <pc:graphicFrameChg chg="mod">
-          <ac:chgData name="Øyvind Wiig Petersen" userId="8db00c4c-acc5-4dea-8516-ccf730572e42" providerId="ADAL" clId="{13754DC5-F8E2-4166-BB1C-1D9DFC09BD20}" dt="2024-03-24T09:54:41.984" v="3" actId="2085"/>
-          <ac:graphicFrameMkLst>
-            <pc:docMk/>
-            <pc:sldMk cId="2140013030" sldId="629"/>
-            <ac:graphicFrameMk id="4" creationId="{080F7AB6-3449-EE86-AA11-BD158E30C119}"/>
-          </ac:graphicFrameMkLst>
-        </pc:graphicFrameChg>
-        <pc:graphicFrameChg chg="mod">
-          <ac:chgData name="Øyvind Wiig Petersen" userId="8db00c4c-acc5-4dea-8516-ccf730572e42" providerId="ADAL" clId="{13754DC5-F8E2-4166-BB1C-1D9DFC09BD20}" dt="2024-03-24T09:54:43.134" v="4" actId="2085"/>
-          <ac:graphicFrameMkLst>
-            <pc:docMk/>
-            <pc:sldMk cId="2140013030" sldId="629"/>
-            <ac:graphicFrameMk id="5" creationId="{FF9DB076-4D24-0CA9-70A3-0B21C3261F25}"/>
-          </ac:graphicFrameMkLst>
-        </pc:graphicFrameChg>
-      </pc:sldChg>
-      <pc:sldChg chg="modSp mod">
-        <pc:chgData name="Øyvind Wiig Petersen" userId="8db00c4c-acc5-4dea-8516-ccf730572e42" providerId="ADAL" clId="{13754DC5-F8E2-4166-BB1C-1D9DFC09BD20}" dt="2024-03-24T09:55:33.180" v="11" actId="14100"/>
-        <pc:sldMkLst>
-          <pc:docMk/>
-          <pc:sldMk cId="3378448526" sldId="632"/>
-        </pc:sldMkLst>
-        <pc:spChg chg="mod">
-          <ac:chgData name="Øyvind Wiig Petersen" userId="8db00c4c-acc5-4dea-8516-ccf730572e42" providerId="ADAL" clId="{13754DC5-F8E2-4166-BB1C-1D9DFC09BD20}" dt="2024-03-24T09:55:25.904" v="9" actId="108"/>
-          <ac:spMkLst>
-            <pc:docMk/>
-            <pc:sldMk cId="3378448526" sldId="632"/>
-            <ac:spMk id="2" creationId="{7349F54D-C8F4-474B-A3E0-19F14F976DA1}"/>
-          </ac:spMkLst>
-        </pc:spChg>
-        <pc:spChg chg="mod">
-          <ac:chgData name="Øyvind Wiig Petersen" userId="8db00c4c-acc5-4dea-8516-ccf730572e42" providerId="ADAL" clId="{13754DC5-F8E2-4166-BB1C-1D9DFC09BD20}" dt="2024-03-24T09:55:29.147" v="10" actId="108"/>
-          <ac:spMkLst>
-            <pc:docMk/>
-            <pc:sldMk cId="3378448526" sldId="632"/>
-            <ac:spMk id="21" creationId="{F0B5F13D-BD88-4866-A706-EEAD82C317A0}"/>
-          </ac:spMkLst>
-        </pc:spChg>
-        <pc:spChg chg="mod">
-          <ac:chgData name="Øyvind Wiig Petersen" userId="8db00c4c-acc5-4dea-8516-ccf730572e42" providerId="ADAL" clId="{13754DC5-F8E2-4166-BB1C-1D9DFC09BD20}" dt="2024-03-24T09:55:33.180" v="11" actId="14100"/>
-          <ac:spMkLst>
-            <pc:docMk/>
-            <pc:sldMk cId="3378448526" sldId="632"/>
-            <ac:spMk id="22" creationId="{D7680EFB-1A8F-4904-B14C-85F7DFCE3B87}"/>
-          </ac:spMkLst>
-        </pc:spChg>
-      </pc:sldChg>
-      <pc:sldChg chg="delSp del mod">
-        <pc:chgData name="Øyvind Wiig Petersen" userId="8db00c4c-acc5-4dea-8516-ccf730572e42" providerId="ADAL" clId="{13754DC5-F8E2-4166-BB1C-1D9DFC09BD20}" dt="2024-03-24T09:55:49.401" v="12" actId="2696"/>
-        <pc:sldMkLst>
-          <pc:docMk/>
-          <pc:sldMk cId="2207100053" sldId="635"/>
-        </pc:sldMkLst>
-        <pc:graphicFrameChg chg="del">
-          <ac:chgData name="Øyvind Wiig Petersen" userId="8db00c4c-acc5-4dea-8516-ccf730572e42" providerId="ADAL" clId="{13754DC5-F8E2-4166-BB1C-1D9DFC09BD20}" dt="2024-03-12T09:13:34.586" v="0" actId="478"/>
-          <ac:graphicFrameMkLst>
-            <pc:docMk/>
-            <pc:sldMk cId="2207100053" sldId="635"/>
-            <ac:graphicFrameMk id="3" creationId="{A439AC10-00F3-B086-3093-90D99EA23B01}"/>
-          </ac:graphicFrameMkLst>
-        </pc:graphicFrameChg>
-      </pc:sldChg>
-    </pc:docChg>
-  </pc:docChgLst>
-  <pc:docChgLst>
-    <pc:chgData name="Øyvind Wiig Petersen" userId="8db00c4c-acc5-4dea-8516-ccf730572e42" providerId="ADAL" clId="{120DD752-33AD-47EF-A927-71DD6CD32BCC}"/>
-    <pc:docChg chg="modSld">
-      <pc:chgData name="Øyvind Wiig Petersen" userId="8db00c4c-acc5-4dea-8516-ccf730572e42" providerId="ADAL" clId="{120DD752-33AD-47EF-A927-71DD6CD32BCC}" dt="2023-12-04T14:58:04.691" v="0" actId="1076"/>
-      <pc:docMkLst>
-        <pc:docMk/>
-      </pc:docMkLst>
-      <pc:sldChg chg="modSp mod">
-        <pc:chgData name="Øyvind Wiig Petersen" userId="8db00c4c-acc5-4dea-8516-ccf730572e42" providerId="ADAL" clId="{120DD752-33AD-47EF-A927-71DD6CD32BCC}" dt="2023-12-04T14:58:04.691" v="0" actId="1076"/>
-        <pc:sldMkLst>
-          <pc:docMk/>
-          <pc:sldMk cId="2140013030" sldId="629"/>
-        </pc:sldMkLst>
-        <pc:graphicFrameChg chg="mod">
-          <ac:chgData name="Øyvind Wiig Petersen" userId="8db00c4c-acc5-4dea-8516-ccf730572e42" providerId="ADAL" clId="{120DD752-33AD-47EF-A927-71DD6CD32BCC}" dt="2023-12-04T14:58:04.691" v="0" actId="1076"/>
-          <ac:graphicFrameMkLst>
-            <pc:docMk/>
-            <pc:sldMk cId="2140013030" sldId="629"/>
-            <ac:graphicFrameMk id="2" creationId="{7576B42E-F2B1-492F-ADE0-A46AB183AC9A}"/>
-          </ac:graphicFrameMkLst>
-        </pc:graphicFrameChg>
-      </pc:sldChg>
-    </pc:docChg>
-  </pc:docChgLst>
-  <pc:docChgLst>
-    <pc:chgData name="Øyvind Wiig Petersen" userId="8db00c4c-acc5-4dea-8516-ccf730572e42" providerId="ADAL" clId="{978783BF-9D18-44A1-AF9B-809355E7A3AA}"/>
-    <pc:docChg chg="undo custSel addSld modSld sldOrd">
-      <pc:chgData name="Øyvind Wiig Petersen" userId="8db00c4c-acc5-4dea-8516-ccf730572e42" providerId="ADAL" clId="{978783BF-9D18-44A1-AF9B-809355E7A3AA}" dt="2022-10-29T06:55:15.382" v="769" actId="1076"/>
-      <pc:docMkLst>
-        <pc:docMk/>
-      </pc:docMkLst>
-      <pc:sldChg chg="modSp mod">
-        <pc:chgData name="Øyvind Wiig Petersen" userId="8db00c4c-acc5-4dea-8516-ccf730572e42" providerId="ADAL" clId="{978783BF-9D18-44A1-AF9B-809355E7A3AA}" dt="2022-10-10T08:58:07.677" v="80" actId="20577"/>
-        <pc:sldMkLst>
-          <pc:docMk/>
-          <pc:sldMk cId="1834186742" sldId="618"/>
-        </pc:sldMkLst>
-        <pc:spChg chg="mod">
-          <ac:chgData name="Øyvind Wiig Petersen" userId="8db00c4c-acc5-4dea-8516-ccf730572e42" providerId="ADAL" clId="{978783BF-9D18-44A1-AF9B-809355E7A3AA}" dt="2022-10-10T08:58:07.677" v="80" actId="20577"/>
-          <ac:spMkLst>
-            <pc:docMk/>
-            <pc:sldMk cId="1834186742" sldId="618"/>
-            <ac:spMk id="12" creationId="{714EA05B-DC29-9A49-9E07-BD359950FFCC}"/>
-          </ac:spMkLst>
-        </pc:spChg>
-      </pc:sldChg>
-      <pc:sldChg chg="modSp mod">
-        <pc:chgData name="Øyvind Wiig Petersen" userId="8db00c4c-acc5-4dea-8516-ccf730572e42" providerId="ADAL" clId="{978783BF-9D18-44A1-AF9B-809355E7A3AA}" dt="2022-10-26T08:46:18.538" v="745"/>
-        <pc:sldMkLst>
-          <pc:docMk/>
-          <pc:sldMk cId="1438416825" sldId="619"/>
-        </pc:sldMkLst>
-        <pc:spChg chg="mod">
-          <ac:chgData name="Øyvind Wiig Petersen" userId="8db00c4c-acc5-4dea-8516-ccf730572e42" providerId="ADAL" clId="{978783BF-9D18-44A1-AF9B-809355E7A3AA}" dt="2022-09-19T10:06:33.187" v="40" actId="20577"/>
-          <ac:spMkLst>
-            <pc:docMk/>
-            <pc:sldMk cId="1438416825" sldId="619"/>
-            <ac:spMk id="11" creationId="{BC28DC8C-597C-4CE1-8577-DCAE653A9CD0}"/>
-          </ac:spMkLst>
-        </pc:spChg>
-        <pc:graphicFrameChg chg="mod">
-          <ac:chgData name="Øyvind Wiig Petersen" userId="8db00c4c-acc5-4dea-8516-ccf730572e42" providerId="ADAL" clId="{978783BF-9D18-44A1-AF9B-809355E7A3AA}" dt="2022-10-26T08:03:17.699" v="729"/>
-          <ac:graphicFrameMkLst>
-            <pc:docMk/>
-            <pc:sldMk cId="1438416825" sldId="619"/>
-            <ac:graphicFrameMk id="4" creationId="{07F3FFE8-761D-4361-BC7C-E2AAD99374C5}"/>
-          </ac:graphicFrameMkLst>
-        </pc:graphicFrameChg>
-        <pc:graphicFrameChg chg="mod">
-          <ac:chgData name="Øyvind Wiig Petersen" userId="8db00c4c-acc5-4dea-8516-ccf730572e42" providerId="ADAL" clId="{978783BF-9D18-44A1-AF9B-809355E7A3AA}" dt="2022-10-26T08:46:18.538" v="745"/>
-          <ac:graphicFrameMkLst>
-            <pc:docMk/>
-            <pc:sldMk cId="1438416825" sldId="619"/>
-            <ac:graphicFrameMk id="6" creationId="{ECC4173A-EFA9-4CE7-A280-6D6A542608C3}"/>
-          </ac:graphicFrameMkLst>
-        </pc:graphicFrameChg>
-      </pc:sldChg>
-      <pc:sldChg chg="modSp mod">
-        <pc:chgData name="Øyvind Wiig Petersen" userId="8db00c4c-acc5-4dea-8516-ccf730572e42" providerId="ADAL" clId="{978783BF-9D18-44A1-AF9B-809355E7A3AA}" dt="2022-09-19T10:16:03.281" v="65" actId="20577"/>
-        <pc:sldMkLst>
-          <pc:docMk/>
-          <pc:sldMk cId="24138218" sldId="621"/>
-        </pc:sldMkLst>
-        <pc:spChg chg="mod">
-          <ac:chgData name="Øyvind Wiig Petersen" userId="8db00c4c-acc5-4dea-8516-ccf730572e42" providerId="ADAL" clId="{978783BF-9D18-44A1-AF9B-809355E7A3AA}" dt="2022-09-19T10:16:03.281" v="65" actId="20577"/>
-          <ac:spMkLst>
-            <pc:docMk/>
-            <pc:sldMk cId="24138218" sldId="621"/>
-            <ac:spMk id="2" creationId="{DFFE5FED-D9FC-44C0-8A22-E84A8866DD25}"/>
-          </ac:spMkLst>
-        </pc:spChg>
-      </pc:sldChg>
-      <pc:sldChg chg="addSp delSp modSp mod">
-        <pc:chgData name="Øyvind Wiig Petersen" userId="8db00c4c-acc5-4dea-8516-ccf730572e42" providerId="ADAL" clId="{978783BF-9D18-44A1-AF9B-809355E7A3AA}" dt="2022-09-19T10:19:01.560" v="71"/>
-        <pc:sldMkLst>
-          <pc:docMk/>
-          <pc:sldMk cId="3895436875" sldId="622"/>
-        </pc:sldMkLst>
-        <pc:spChg chg="mod">
-          <ac:chgData name="Øyvind Wiig Petersen" userId="8db00c4c-acc5-4dea-8516-ccf730572e42" providerId="ADAL" clId="{978783BF-9D18-44A1-AF9B-809355E7A3AA}" dt="2022-09-19T10:04:48.011" v="31" actId="14100"/>
-          <ac:spMkLst>
-            <pc:docMk/>
-            <pc:sldMk cId="3895436875" sldId="622"/>
-            <ac:spMk id="12" creationId="{4E5AB06C-D6FC-484E-AA04-73C3121F1363}"/>
-          </ac:spMkLst>
-        </pc:spChg>
-        <pc:spChg chg="add del mod">
-          <ac:chgData name="Øyvind Wiig Petersen" userId="8db00c4c-acc5-4dea-8516-ccf730572e42" providerId="ADAL" clId="{978783BF-9D18-44A1-AF9B-809355E7A3AA}" dt="2022-09-19T10:11:41.990" v="61" actId="478"/>
-          <ac:spMkLst>
-            <pc:docMk/>
-            <pc:sldMk cId="3895436875" sldId="622"/>
-            <ac:spMk id="13" creationId="{358A9FC7-A2FD-5861-F29A-9A275DBAFFD2}"/>
-          </ac:spMkLst>
-        </pc:spChg>
-        <pc:graphicFrameChg chg="mod">
-          <ac:chgData name="Øyvind Wiig Petersen" userId="8db00c4c-acc5-4dea-8516-ccf730572e42" providerId="ADAL" clId="{978783BF-9D18-44A1-AF9B-809355E7A3AA}" dt="2022-09-19T10:08:15.084" v="45"/>
-          <ac:graphicFrameMkLst>
-            <pc:docMk/>
-            <pc:sldMk cId="3895436875" sldId="622"/>
-            <ac:graphicFrameMk id="2" creationId="{8172D43D-8039-842F-74D6-8B829BBFBBAB}"/>
-          </ac:graphicFrameMkLst>
-        </pc:graphicFrameChg>
-        <pc:graphicFrameChg chg="add del mod">
-          <ac:chgData name="Øyvind Wiig Petersen" userId="8db00c4c-acc5-4dea-8516-ccf730572e42" providerId="ADAL" clId="{978783BF-9D18-44A1-AF9B-809355E7A3AA}" dt="2022-09-19T10:11:24.075" v="58" actId="478"/>
-          <ac:graphicFrameMkLst>
-            <pc:docMk/>
-            <pc:sldMk cId="3895436875" sldId="622"/>
-            <ac:graphicFrameMk id="3" creationId="{DF87BA3A-A956-F764-4DBB-BB88E4330A04}"/>
-          </ac:graphicFrameMkLst>
-        </pc:graphicFrameChg>
-        <pc:graphicFrameChg chg="add del mod">
-          <ac:chgData name="Øyvind Wiig Petersen" userId="8db00c4c-acc5-4dea-8516-ccf730572e42" providerId="ADAL" clId="{978783BF-9D18-44A1-AF9B-809355E7A3AA}" dt="2022-09-19T10:11:18.800" v="57" actId="478"/>
-          <ac:graphicFrameMkLst>
-            <pc:docMk/>
-            <pc:sldMk cId="3895436875" sldId="622"/>
-            <ac:graphicFrameMk id="4" creationId="{BCBBDA95-83EF-EF13-1A73-2DEF9DEAA6E0}"/>
-          </ac:graphicFrameMkLst>
-        </pc:graphicFrameChg>
-        <pc:graphicFrameChg chg="mod">
-          <ac:chgData name="Øyvind Wiig Petersen" userId="8db00c4c-acc5-4dea-8516-ccf730572e42" providerId="ADAL" clId="{978783BF-9D18-44A1-AF9B-809355E7A3AA}" dt="2022-09-19T10:19:01.560" v="71"/>
-          <ac:graphicFrameMkLst>
-            <pc:docMk/>
-            <pc:sldMk cId="3895436875" sldId="622"/>
-            <ac:graphicFrameMk id="6" creationId="{ECC4173A-EFA9-4CE7-A280-6D6A542608C3}"/>
-          </ac:graphicFrameMkLst>
-        </pc:graphicFrameChg>
-      </pc:sldChg>
-      <pc:sldChg chg="modSp mod">
-        <pc:chgData name="Øyvind Wiig Petersen" userId="8db00c4c-acc5-4dea-8516-ccf730572e42" providerId="ADAL" clId="{978783BF-9D18-44A1-AF9B-809355E7A3AA}" dt="2022-10-26T08:46:41.224" v="752"/>
-        <pc:sldMkLst>
-          <pc:docMk/>
-          <pc:sldMk cId="2816610699" sldId="623"/>
-        </pc:sldMkLst>
-        <pc:spChg chg="mod">
-          <ac:chgData name="Øyvind Wiig Petersen" userId="8db00c4c-acc5-4dea-8516-ccf730572e42" providerId="ADAL" clId="{978783BF-9D18-44A1-AF9B-809355E7A3AA}" dt="2022-10-03T06:46:37.946" v="77" actId="20577"/>
-          <ac:spMkLst>
-            <pc:docMk/>
-            <pc:sldMk cId="2816610699" sldId="623"/>
-            <ac:spMk id="14" creationId="{AD08724C-EEEF-4E0B-8572-BAC89AD55A27}"/>
-          </ac:spMkLst>
-        </pc:spChg>
-        <pc:graphicFrameChg chg="mod">
-          <ac:chgData name="Øyvind Wiig Petersen" userId="8db00c4c-acc5-4dea-8516-ccf730572e42" providerId="ADAL" clId="{978783BF-9D18-44A1-AF9B-809355E7A3AA}" dt="2022-10-26T08:46:41.224" v="752"/>
-          <ac:graphicFrameMkLst>
-            <pc:docMk/>
-            <pc:sldMk cId="2816610699" sldId="623"/>
-            <ac:graphicFrameMk id="2" creationId="{7576B42E-F2B1-492F-ADE0-A46AB183AC9A}"/>
-          </ac:graphicFrameMkLst>
-        </pc:graphicFrameChg>
-        <pc:graphicFrameChg chg="mod">
-          <ac:chgData name="Øyvind Wiig Petersen" userId="8db00c4c-acc5-4dea-8516-ccf730572e42" providerId="ADAL" clId="{978783BF-9D18-44A1-AF9B-809355E7A3AA}" dt="2022-10-26T08:46:27.968" v="747"/>
-          <ac:graphicFrameMkLst>
-            <pc:docMk/>
-            <pc:sldMk cId="2816610699" sldId="623"/>
-            <ac:graphicFrameMk id="7" creationId="{ED646AEA-79FB-4565-AE98-0CD4165F0C09}"/>
-          </ac:graphicFrameMkLst>
-        </pc:graphicFrameChg>
-      </pc:sldChg>
-      <pc:sldChg chg="addSp modSp mod">
-        <pc:chgData name="Øyvind Wiig Petersen" userId="8db00c4c-acc5-4dea-8516-ccf730572e42" providerId="ADAL" clId="{978783BF-9D18-44A1-AF9B-809355E7A3AA}" dt="2022-10-29T06:53:18.512" v="766" actId="114"/>
-        <pc:sldMkLst>
-          <pc:docMk/>
-          <pc:sldMk cId="3803654784" sldId="627"/>
-        </pc:sldMkLst>
-        <pc:spChg chg="add mod">
-          <ac:chgData name="Øyvind Wiig Petersen" userId="8db00c4c-acc5-4dea-8516-ccf730572e42" providerId="ADAL" clId="{978783BF-9D18-44A1-AF9B-809355E7A3AA}" dt="2022-10-29T06:53:18.512" v="766" actId="114"/>
-          <ac:spMkLst>
-            <pc:docMk/>
-            <pc:sldMk cId="3803654784" sldId="627"/>
-            <ac:spMk id="2" creationId="{1EB9BAD9-8A93-1C6E-C793-0634712A6EDD}"/>
-          </ac:spMkLst>
-        </pc:spChg>
-        <pc:spChg chg="mod">
-          <ac:chgData name="Øyvind Wiig Petersen" userId="8db00c4c-acc5-4dea-8516-ccf730572e42" providerId="ADAL" clId="{978783BF-9D18-44A1-AF9B-809355E7A3AA}" dt="2022-10-25T14:21:19.310" v="684" actId="114"/>
-          <ac:spMkLst>
-            <pc:docMk/>
-            <pc:sldMk cId="3803654784" sldId="627"/>
-            <ac:spMk id="13" creationId="{1630DDAB-9BC1-3FE6-6914-00048223B36D}"/>
-          </ac:spMkLst>
-        </pc:spChg>
-        <pc:graphicFrameChg chg="mod">
-          <ac:chgData name="Øyvind Wiig Petersen" userId="8db00c4c-acc5-4dea-8516-ccf730572e42" providerId="ADAL" clId="{978783BF-9D18-44A1-AF9B-809355E7A3AA}" dt="2022-10-26T08:46:01.262" v="742"/>
-          <ac:graphicFrameMkLst>
-            <pc:docMk/>
-            <pc:sldMk cId="3803654784" sldId="627"/>
-            <ac:graphicFrameMk id="7" creationId="{E5B9C4F1-7DF0-E8C9-5063-D2D0644CCA3A}"/>
-          </ac:graphicFrameMkLst>
-        </pc:graphicFrameChg>
-        <pc:graphicFrameChg chg="mod">
-          <ac:chgData name="Øyvind Wiig Petersen" userId="8db00c4c-acc5-4dea-8516-ccf730572e42" providerId="ADAL" clId="{978783BF-9D18-44A1-AF9B-809355E7A3AA}" dt="2022-10-26T08:45:52.651" v="740"/>
-          <ac:graphicFrameMkLst>
-            <pc:docMk/>
-            <pc:sldMk cId="3803654784" sldId="627"/>
-            <ac:graphicFrameMk id="11" creationId="{7907E8E0-30C8-8108-2C12-BCE947E24BA3}"/>
-          </ac:graphicFrameMkLst>
-        </pc:graphicFrameChg>
-      </pc:sldChg>
-      <pc:sldChg chg="modSp">
-        <pc:chgData name="Øyvind Wiig Petersen" userId="8db00c4c-acc5-4dea-8516-ccf730572e42" providerId="ADAL" clId="{978783BF-9D18-44A1-AF9B-809355E7A3AA}" dt="2022-10-26T08:03:36.495" v="734"/>
-        <pc:sldMkLst>
-          <pc:docMk/>
-          <pc:sldMk cId="2140013030" sldId="629"/>
-        </pc:sldMkLst>
-        <pc:graphicFrameChg chg="mod">
-          <ac:chgData name="Øyvind Wiig Petersen" userId="8db00c4c-acc5-4dea-8516-ccf730572e42" providerId="ADAL" clId="{978783BF-9D18-44A1-AF9B-809355E7A3AA}" dt="2022-10-26T08:03:30.195" v="732"/>
-          <ac:graphicFrameMkLst>
-            <pc:docMk/>
-            <pc:sldMk cId="2140013030" sldId="629"/>
-            <ac:graphicFrameMk id="3" creationId="{A439AC10-00F3-B086-3093-90D99EA23B01}"/>
-          </ac:graphicFrameMkLst>
-        </pc:graphicFrameChg>
-        <pc:graphicFrameChg chg="mod">
-          <ac:chgData name="Øyvind Wiig Petersen" userId="8db00c4c-acc5-4dea-8516-ccf730572e42" providerId="ADAL" clId="{978783BF-9D18-44A1-AF9B-809355E7A3AA}" dt="2022-10-26T08:03:36.495" v="734"/>
-          <ac:graphicFrameMkLst>
-            <pc:docMk/>
-            <pc:sldMk cId="2140013030" sldId="629"/>
-            <ac:graphicFrameMk id="4" creationId="{080F7AB6-3449-EE86-AA11-BD158E30C119}"/>
-          </ac:graphicFrameMkLst>
-        </pc:graphicFrameChg>
-        <pc:graphicFrameChg chg="mod">
-          <ac:chgData name="Øyvind Wiig Petersen" userId="8db00c4c-acc5-4dea-8516-ccf730572e42" providerId="ADAL" clId="{978783BF-9D18-44A1-AF9B-809355E7A3AA}" dt="2022-09-19T10:19:11.159" v="73"/>
-          <ac:graphicFrameMkLst>
-            <pc:docMk/>
-            <pc:sldMk cId="2140013030" sldId="629"/>
-            <ac:graphicFrameMk id="5" creationId="{FF9DB076-4D24-0CA9-70A3-0B21C3261F25}"/>
-          </ac:graphicFrameMkLst>
-        </pc:graphicFrameChg>
-      </pc:sldChg>
-      <pc:sldChg chg="modSp">
-        <pc:chgData name="Øyvind Wiig Petersen" userId="8db00c4c-acc5-4dea-8516-ccf730572e42" providerId="ADAL" clId="{978783BF-9D18-44A1-AF9B-809355E7A3AA}" dt="2022-10-26T08:47:22.546" v="760"/>
-        <pc:sldMkLst>
-          <pc:docMk/>
-          <pc:sldMk cId="3378448526" sldId="632"/>
-        </pc:sldMkLst>
-        <pc:graphicFrameChg chg="mod">
-          <ac:chgData name="Øyvind Wiig Petersen" userId="8db00c4c-acc5-4dea-8516-ccf730572e42" providerId="ADAL" clId="{978783BF-9D18-44A1-AF9B-809355E7A3AA}" dt="2022-10-26T08:47:07.410" v="756"/>
-          <ac:graphicFrameMkLst>
-            <pc:docMk/>
-            <pc:sldMk cId="3378448526" sldId="632"/>
-            <ac:graphicFrameMk id="7" creationId="{F83BCE15-370C-47B2-8F3C-B7BF6972D51B}"/>
-          </ac:graphicFrameMkLst>
-        </pc:graphicFrameChg>
-        <pc:graphicFrameChg chg="mod">
-          <ac:chgData name="Øyvind Wiig Petersen" userId="8db00c4c-acc5-4dea-8516-ccf730572e42" providerId="ADAL" clId="{978783BF-9D18-44A1-AF9B-809355E7A3AA}" dt="2022-10-26T08:47:22.546" v="760"/>
-          <ac:graphicFrameMkLst>
-            <pc:docMk/>
-            <pc:sldMk cId="3378448526" sldId="632"/>
-            <ac:graphicFrameMk id="14" creationId="{47C2D52E-72F9-43EB-AC3D-C973D70E96A3}"/>
-          </ac:graphicFrameMkLst>
-        </pc:graphicFrameChg>
-      </pc:sldChg>
-      <pc:sldChg chg="modSp">
-        <pc:chgData name="Øyvind Wiig Petersen" userId="8db00c4c-acc5-4dea-8516-ccf730572e42" providerId="ADAL" clId="{978783BF-9D18-44A1-AF9B-809355E7A3AA}" dt="2022-10-26T08:48:15.172" v="764"/>
-        <pc:sldMkLst>
-          <pc:docMk/>
-          <pc:sldMk cId="2921964998" sldId="634"/>
-        </pc:sldMkLst>
-        <pc:graphicFrameChg chg="mod">
-          <ac:chgData name="Øyvind Wiig Petersen" userId="8db00c4c-acc5-4dea-8516-ccf730572e42" providerId="ADAL" clId="{978783BF-9D18-44A1-AF9B-809355E7A3AA}" dt="2022-10-26T08:48:08.154" v="762"/>
-          <ac:graphicFrameMkLst>
-            <pc:docMk/>
-            <pc:sldMk cId="2921964998" sldId="634"/>
-            <ac:graphicFrameMk id="3" creationId="{A71CBD68-7631-4771-B58D-E1E609737B4F}"/>
-          </ac:graphicFrameMkLst>
-        </pc:graphicFrameChg>
-        <pc:graphicFrameChg chg="mod">
-          <ac:chgData name="Øyvind Wiig Petersen" userId="8db00c4c-acc5-4dea-8516-ccf730572e42" providerId="ADAL" clId="{978783BF-9D18-44A1-AF9B-809355E7A3AA}" dt="2022-10-26T08:48:15.172" v="764"/>
-          <ac:graphicFrameMkLst>
-            <pc:docMk/>
-            <pc:sldMk cId="2921964998" sldId="634"/>
-            <ac:graphicFrameMk id="15" creationId="{2E5210A2-7F00-4B10-9830-C46A1EA274EA}"/>
-          </ac:graphicFrameMkLst>
-        </pc:graphicFrameChg>
-      </pc:sldChg>
-      <pc:sldChg chg="modSp mod">
-        <pc:chgData name="Øyvind Wiig Petersen" userId="8db00c4c-acc5-4dea-8516-ccf730572e42" providerId="ADAL" clId="{978783BF-9D18-44A1-AF9B-809355E7A3AA}" dt="2022-09-19T10:17:52.430" v="66" actId="1076"/>
-        <pc:sldMkLst>
-          <pc:docMk/>
-          <pc:sldMk cId="2207100053" sldId="635"/>
-        </pc:sldMkLst>
-        <pc:graphicFrameChg chg="mod">
-          <ac:chgData name="Øyvind Wiig Petersen" userId="8db00c4c-acc5-4dea-8516-ccf730572e42" providerId="ADAL" clId="{978783BF-9D18-44A1-AF9B-809355E7A3AA}" dt="2022-09-19T10:17:52.430" v="66" actId="1076"/>
-          <ac:graphicFrameMkLst>
-            <pc:docMk/>
-            <pc:sldMk cId="2207100053" sldId="635"/>
-            <ac:graphicFrameMk id="3" creationId="{A439AC10-00F3-B086-3093-90D99EA23B01}"/>
-          </ac:graphicFrameMkLst>
-        </pc:graphicFrameChg>
-      </pc:sldChg>
-      <pc:sldChg chg="addSp delSp modSp add mod ord">
-        <pc:chgData name="Øyvind Wiig Petersen" userId="8db00c4c-acc5-4dea-8516-ccf730572e42" providerId="ADAL" clId="{978783BF-9D18-44A1-AF9B-809355E7A3AA}" dt="2022-10-29T06:55:15.382" v="769" actId="1076"/>
-        <pc:sldMkLst>
-          <pc:docMk/>
-          <pc:sldMk cId="1535441309" sldId="636"/>
-        </pc:sldMkLst>
-        <pc:spChg chg="mod">
-          <ac:chgData name="Øyvind Wiig Petersen" userId="8db00c4c-acc5-4dea-8516-ccf730572e42" providerId="ADAL" clId="{978783BF-9D18-44A1-AF9B-809355E7A3AA}" dt="2022-10-22T06:43:09.226" v="134" actId="20577"/>
-          <ac:spMkLst>
-            <pc:docMk/>
-            <pc:sldMk cId="1535441309" sldId="636"/>
-            <ac:spMk id="5" creationId="{76DCE7D0-316F-B1D5-BBB5-27E6F1ECEAAC}"/>
-          </ac:spMkLst>
-        </pc:spChg>
-        <pc:spChg chg="add del mod">
-          <ac:chgData name="Øyvind Wiig Petersen" userId="8db00c4c-acc5-4dea-8516-ccf730572e42" providerId="ADAL" clId="{978783BF-9D18-44A1-AF9B-809355E7A3AA}" dt="2022-10-26T06:32:26.408" v="712" actId="478"/>
-          <ac:spMkLst>
-            <pc:docMk/>
-            <pc:sldMk cId="1535441309" sldId="636"/>
-            <ac:spMk id="6" creationId="{4D35A8C1-A013-AD6F-0549-04EEE136BB07}"/>
-          </ac:spMkLst>
-        </pc:spChg>
-        <pc:spChg chg="add mod">
-          <ac:chgData name="Øyvind Wiig Petersen" userId="8db00c4c-acc5-4dea-8516-ccf730572e42" providerId="ADAL" clId="{978783BF-9D18-44A1-AF9B-809355E7A3AA}" dt="2022-10-29T06:55:10.189" v="767" actId="1076"/>
-          <ac:spMkLst>
-            <pc:docMk/>
-            <pc:sldMk cId="1535441309" sldId="636"/>
-            <ac:spMk id="8" creationId="{DAD7DDEE-3F54-8E33-96E3-8CFAD20F29F4}"/>
-          </ac:spMkLst>
-        </pc:spChg>
-        <pc:spChg chg="del">
-          <ac:chgData name="Øyvind Wiig Petersen" userId="8db00c4c-acc5-4dea-8516-ccf730572e42" providerId="ADAL" clId="{978783BF-9D18-44A1-AF9B-809355E7A3AA}" dt="2022-10-22T06:42:34.534" v="84" actId="478"/>
-          <ac:spMkLst>
-            <pc:docMk/>
-            <pc:sldMk cId="1535441309" sldId="636"/>
-            <ac:spMk id="12" creationId="{D548317B-CE7D-48DC-89DB-17AAEAB2EBE5}"/>
-          </ac:spMkLst>
-        </pc:spChg>
-        <pc:spChg chg="mod">
-          <ac:chgData name="Øyvind Wiig Petersen" userId="8db00c4c-acc5-4dea-8516-ccf730572e42" providerId="ADAL" clId="{978783BF-9D18-44A1-AF9B-809355E7A3AA}" dt="2022-10-29T06:55:15.382" v="769" actId="1076"/>
-          <ac:spMkLst>
-            <pc:docMk/>
-            <pc:sldMk cId="1535441309" sldId="636"/>
-            <ac:spMk id="13" creationId="{1630DDAB-9BC1-3FE6-6914-00048223B36D}"/>
-          </ac:spMkLst>
-        </pc:spChg>
-        <pc:spChg chg="mod">
-          <ac:chgData name="Øyvind Wiig Petersen" userId="8db00c4c-acc5-4dea-8516-ccf730572e42" providerId="ADAL" clId="{978783BF-9D18-44A1-AF9B-809355E7A3AA}" dt="2022-10-22T06:50:26.161" v="319" actId="20577"/>
-          <ac:spMkLst>
-            <pc:docMk/>
-            <pc:sldMk cId="1535441309" sldId="636"/>
-            <ac:spMk id="16" creationId="{F2240AD8-2A35-4F12-AC45-9BAB3DF3FC9E}"/>
-          </ac:spMkLst>
-        </pc:spChg>
-        <pc:spChg chg="add del">
-          <ac:chgData name="Øyvind Wiig Petersen" userId="8db00c4c-acc5-4dea-8516-ccf730572e42" providerId="ADAL" clId="{978783BF-9D18-44A1-AF9B-809355E7A3AA}" dt="2022-10-22T06:42:46.939" v="88" actId="478"/>
-          <ac:spMkLst>
-            <pc:docMk/>
-            <pc:sldMk cId="1535441309" sldId="636"/>
-            <ac:spMk id="23" creationId="{DF63CA27-0111-47E0-B41E-191D9F3008CA}"/>
-          </ac:spMkLst>
-        </pc:spChg>
-        <pc:graphicFrameChg chg="add del mod">
-          <ac:chgData name="Øyvind Wiig Petersen" userId="8db00c4c-acc5-4dea-8516-ccf730572e42" providerId="ADAL" clId="{978783BF-9D18-44A1-AF9B-809355E7A3AA}" dt="2022-10-26T06:32:24.799" v="711" actId="478"/>
-          <ac:graphicFrameMkLst>
-            <pc:docMk/>
-            <pc:sldMk cId="1535441309" sldId="636"/>
-            <ac:graphicFrameMk id="2" creationId="{B614F3DD-DCF7-53C2-A1CD-369A31BC0B54}"/>
-          </ac:graphicFrameMkLst>
-        </pc:graphicFrameChg>
-        <pc:graphicFrameChg chg="add mod">
-          <ac:chgData name="Øyvind Wiig Petersen" userId="8db00c4c-acc5-4dea-8516-ccf730572e42" providerId="ADAL" clId="{978783BF-9D18-44A1-AF9B-809355E7A3AA}" dt="2022-10-29T06:55:12.260" v="768" actId="1076"/>
-          <ac:graphicFrameMkLst>
-            <pc:docMk/>
-            <pc:sldMk cId="1535441309" sldId="636"/>
-            <ac:graphicFrameMk id="3" creationId="{802B7492-DEC1-140E-FA2C-516141064DB9}"/>
-          </ac:graphicFrameMkLst>
-        </pc:graphicFrameChg>
-        <pc:graphicFrameChg chg="add del mod">
-          <ac:chgData name="Øyvind Wiig Petersen" userId="8db00c4c-acc5-4dea-8516-ccf730572e42" providerId="ADAL" clId="{978783BF-9D18-44A1-AF9B-809355E7A3AA}" dt="2022-10-26T08:45:08.270" v="738" actId="478"/>
-          <ac:graphicFrameMkLst>
-            <pc:docMk/>
-            <pc:sldMk cId="1535441309" sldId="636"/>
-            <ac:graphicFrameMk id="4" creationId="{BE741746-3F4E-B20B-C613-0E78C282769D}"/>
-          </ac:graphicFrameMkLst>
-        </pc:graphicFrameChg>
-        <pc:graphicFrameChg chg="add del">
-          <ac:chgData name="Øyvind Wiig Petersen" userId="8db00c4c-acc5-4dea-8516-ccf730572e42" providerId="ADAL" clId="{978783BF-9D18-44A1-AF9B-809355E7A3AA}" dt="2022-10-22T06:42:46.939" v="88" actId="478"/>
-          <ac:graphicFrameMkLst>
-            <pc:docMk/>
-            <pc:sldMk cId="1535441309" sldId="636"/>
-            <ac:graphicFrameMk id="4" creationId="{ED6DE24D-FA28-4B16-8CE0-D549FEE1299F}"/>
-          </ac:graphicFrameMkLst>
-        </pc:graphicFrameChg>
-        <pc:graphicFrameChg chg="del">
-          <ac:chgData name="Øyvind Wiig Petersen" userId="8db00c4c-acc5-4dea-8516-ccf730572e42" providerId="ADAL" clId="{978783BF-9D18-44A1-AF9B-809355E7A3AA}" dt="2022-10-22T06:57:40.954" v="612" actId="478"/>
-          <ac:graphicFrameMkLst>
-            <pc:docMk/>
-            <pc:sldMk cId="1535441309" sldId="636"/>
-            <ac:graphicFrameMk id="7" creationId="{E5B9C4F1-7DF0-E8C9-5063-D2D0644CCA3A}"/>
-          </ac:graphicFrameMkLst>
-        </pc:graphicFrameChg>
-        <pc:graphicFrameChg chg="add del mod">
-          <ac:chgData name="Øyvind Wiig Petersen" userId="8db00c4c-acc5-4dea-8516-ccf730572e42" providerId="ADAL" clId="{978783BF-9D18-44A1-AF9B-809355E7A3AA}" dt="2022-10-22T06:56:44.325" v="579" actId="478"/>
-          <ac:graphicFrameMkLst>
-            <pc:docMk/>
-            <pc:sldMk cId="1535441309" sldId="636"/>
-            <ac:graphicFrameMk id="9" creationId="{C7F79025-57EE-F0F1-0D5B-C66CAB2BD825}"/>
-          </ac:graphicFrameMkLst>
-        </pc:graphicFrameChg>
-        <pc:graphicFrameChg chg="add del mod">
-          <ac:chgData name="Øyvind Wiig Petersen" userId="8db00c4c-acc5-4dea-8516-ccf730572e42" providerId="ADAL" clId="{978783BF-9D18-44A1-AF9B-809355E7A3AA}" dt="2022-10-26T08:46:56.822" v="754"/>
-          <ac:graphicFrameMkLst>
-            <pc:docMk/>
-            <pc:sldMk cId="1535441309" sldId="636"/>
-            <ac:graphicFrameMk id="11" creationId="{7907E8E0-30C8-8108-2C12-BCE947E24BA3}"/>
-          </ac:graphicFrameMkLst>
-        </pc:graphicFrameChg>
-      </pc:sldChg>
-    </pc:docChg>
-  </pc:docChgLst>
-  <pc:docChgLst>
-    <pc:chgData name="Øyvind Wiig Petersen" userId="8db00c4c-acc5-4dea-8516-ccf730572e42" providerId="ADAL" clId="{655AD50B-0F14-444A-9318-7DAA432D9CE2}"/>
-    <pc:docChg chg="modSld">
-      <pc:chgData name="Øyvind Wiig Petersen" userId="8db00c4c-acc5-4dea-8516-ccf730572e42" providerId="ADAL" clId="{655AD50B-0F14-444A-9318-7DAA432D9CE2}" dt="2023-10-17T07:23:15.204" v="27" actId="14100"/>
-      <pc:docMkLst>
-        <pc:docMk/>
-      </pc:docMkLst>
-      <pc:sldChg chg="modSp">
-        <pc:chgData name="Øyvind Wiig Petersen" userId="8db00c4c-acc5-4dea-8516-ccf730572e42" providerId="ADAL" clId="{655AD50B-0F14-444A-9318-7DAA432D9CE2}" dt="2023-10-17T07:19:46.908" v="6"/>
-        <pc:sldMkLst>
-          <pc:docMk/>
-          <pc:sldMk cId="1438416825" sldId="619"/>
-        </pc:sldMkLst>
-        <pc:graphicFrameChg chg="mod">
-          <ac:chgData name="Øyvind Wiig Petersen" userId="8db00c4c-acc5-4dea-8516-ccf730572e42" providerId="ADAL" clId="{655AD50B-0F14-444A-9318-7DAA432D9CE2}" dt="2023-10-17T07:19:46.908" v="6"/>
-          <ac:graphicFrameMkLst>
-            <pc:docMk/>
-            <pc:sldMk cId="1438416825" sldId="619"/>
-            <ac:graphicFrameMk id="6" creationId="{ECC4173A-EFA9-4CE7-A280-6D6A542608C3}"/>
-          </ac:graphicFrameMkLst>
-        </pc:graphicFrameChg>
-      </pc:sldChg>
-      <pc:sldChg chg="modSp mod">
-        <pc:chgData name="Øyvind Wiig Petersen" userId="8db00c4c-acc5-4dea-8516-ccf730572e42" providerId="ADAL" clId="{655AD50B-0F14-444A-9318-7DAA432D9CE2}" dt="2023-10-17T07:21:27.282" v="19" actId="1076"/>
-        <pc:sldMkLst>
-          <pc:docMk/>
-          <pc:sldMk cId="2816610699" sldId="623"/>
-        </pc:sldMkLst>
-        <pc:spChg chg="mod">
-          <ac:chgData name="Øyvind Wiig Petersen" userId="8db00c4c-acc5-4dea-8516-ccf730572e42" providerId="ADAL" clId="{655AD50B-0F14-444A-9318-7DAA432D9CE2}" dt="2023-10-17T07:21:27.282" v="19" actId="1076"/>
-          <ac:spMkLst>
-            <pc:docMk/>
-            <pc:sldMk cId="2816610699" sldId="623"/>
-            <ac:spMk id="13" creationId="{DD3BF503-E427-4A26-9174-7A2882ED7A71}"/>
-          </ac:spMkLst>
-        </pc:spChg>
-        <pc:graphicFrameChg chg="mod">
-          <ac:chgData name="Øyvind Wiig Petersen" userId="8db00c4c-acc5-4dea-8516-ccf730572e42" providerId="ADAL" clId="{655AD50B-0F14-444A-9318-7DAA432D9CE2}" dt="2023-10-17T07:21:24.140" v="18" actId="1076"/>
-          <ac:graphicFrameMkLst>
-            <pc:docMk/>
-            <pc:sldMk cId="2816610699" sldId="623"/>
-            <ac:graphicFrameMk id="2" creationId="{7576B42E-F2B1-492F-ADE0-A46AB183AC9A}"/>
-          </ac:graphicFrameMkLst>
-        </pc:graphicFrameChg>
-        <pc:graphicFrameChg chg="mod">
-          <ac:chgData name="Øyvind Wiig Petersen" userId="8db00c4c-acc5-4dea-8516-ccf730572e42" providerId="ADAL" clId="{655AD50B-0F14-444A-9318-7DAA432D9CE2}" dt="2023-10-17T07:21:07.920" v="14"/>
-          <ac:graphicFrameMkLst>
-            <pc:docMk/>
-            <pc:sldMk cId="2816610699" sldId="623"/>
-            <ac:graphicFrameMk id="7" creationId="{ED646AEA-79FB-4565-AE98-0CD4165F0C09}"/>
-          </ac:graphicFrameMkLst>
-        </pc:graphicFrameChg>
-      </pc:sldChg>
-      <pc:sldChg chg="modSp mod">
-        <pc:chgData name="Øyvind Wiig Petersen" userId="8db00c4c-acc5-4dea-8516-ccf730572e42" providerId="ADAL" clId="{655AD50B-0F14-444A-9318-7DAA432D9CE2}" dt="2023-10-17T07:22:13.577" v="21"/>
-        <pc:sldMkLst>
-          <pc:docMk/>
-          <pc:sldMk cId="3803654784" sldId="627"/>
-        </pc:sldMkLst>
-        <pc:graphicFrameChg chg="mod">
-          <ac:chgData name="Øyvind Wiig Petersen" userId="8db00c4c-acc5-4dea-8516-ccf730572e42" providerId="ADAL" clId="{655AD50B-0F14-444A-9318-7DAA432D9CE2}" dt="2023-10-17T07:22:13.577" v="21"/>
-          <ac:graphicFrameMkLst>
-            <pc:docMk/>
-            <pc:sldMk cId="3803654784" sldId="627"/>
-            <ac:graphicFrameMk id="11" creationId="{7907E8E0-30C8-8108-2C12-BCE947E24BA3}"/>
-          </ac:graphicFrameMkLst>
-        </pc:graphicFrameChg>
-      </pc:sldChg>
-      <pc:sldChg chg="modSp mod">
-        <pc:chgData name="Øyvind Wiig Petersen" userId="8db00c4c-acc5-4dea-8516-ccf730572e42" providerId="ADAL" clId="{655AD50B-0F14-444A-9318-7DAA432D9CE2}" dt="2023-10-17T07:23:15.204" v="27" actId="14100"/>
-        <pc:sldMkLst>
-          <pc:docMk/>
-          <pc:sldMk cId="3378448526" sldId="632"/>
-        </pc:sldMkLst>
-        <pc:spChg chg="mod">
-          <ac:chgData name="Øyvind Wiig Petersen" userId="8db00c4c-acc5-4dea-8516-ccf730572e42" providerId="ADAL" clId="{655AD50B-0F14-444A-9318-7DAA432D9CE2}" dt="2023-10-17T07:23:15.204" v="27" actId="14100"/>
-          <ac:spMkLst>
-            <pc:docMk/>
-            <pc:sldMk cId="3378448526" sldId="632"/>
-            <ac:spMk id="21" creationId="{F0B5F13D-BD88-4866-A706-EEAD82C317A0}"/>
-          </ac:spMkLst>
-        </pc:spChg>
-        <pc:spChg chg="mod">
-          <ac:chgData name="Øyvind Wiig Petersen" userId="8db00c4c-acc5-4dea-8516-ccf730572e42" providerId="ADAL" clId="{655AD50B-0F14-444A-9318-7DAA432D9CE2}" dt="2023-10-17T07:23:09.941" v="26" actId="14100"/>
-          <ac:spMkLst>
-            <pc:docMk/>
-            <pc:sldMk cId="3378448526" sldId="632"/>
-            <ac:spMk id="22" creationId="{D7680EFB-1A8F-4904-B14C-85F7DFCE3B87}"/>
-          </ac:spMkLst>
-        </pc:spChg>
-        <pc:graphicFrameChg chg="mod">
-          <ac:chgData name="Øyvind Wiig Petersen" userId="8db00c4c-acc5-4dea-8516-ccf730572e42" providerId="ADAL" clId="{655AD50B-0F14-444A-9318-7DAA432D9CE2}" dt="2023-10-17T07:22:59.491" v="25"/>
-          <ac:graphicFrameMkLst>
-            <pc:docMk/>
-            <pc:sldMk cId="3378448526" sldId="632"/>
-            <ac:graphicFrameMk id="14" creationId="{47C2D52E-72F9-43EB-AC3D-C973D70E96A3}"/>
           </ac:graphicFrameMkLst>
         </pc:graphicFrameChg>
       </pc:sldChg>
@@ -1994,6 +1337,765 @@
     </pc:docChg>
   </pc:docChgLst>
   <pc:docChgLst>
+    <pc:chgData name="Øyvind Wiig Petersen" userId="8db00c4c-acc5-4dea-8516-ccf730572e42" providerId="ADAL" clId="{655AD50B-0F14-444A-9318-7DAA432D9CE2}"/>
+    <pc:docChg chg="modSld">
+      <pc:chgData name="Øyvind Wiig Petersen" userId="8db00c4c-acc5-4dea-8516-ccf730572e42" providerId="ADAL" clId="{655AD50B-0F14-444A-9318-7DAA432D9CE2}" dt="2023-10-17T07:23:15.204" v="27" actId="14100"/>
+      <pc:docMkLst>
+        <pc:docMk/>
+      </pc:docMkLst>
+      <pc:sldChg chg="modSp">
+        <pc:chgData name="Øyvind Wiig Petersen" userId="8db00c4c-acc5-4dea-8516-ccf730572e42" providerId="ADAL" clId="{655AD50B-0F14-444A-9318-7DAA432D9CE2}" dt="2023-10-17T07:19:46.908" v="6"/>
+        <pc:sldMkLst>
+          <pc:docMk/>
+          <pc:sldMk cId="1438416825" sldId="619"/>
+        </pc:sldMkLst>
+        <pc:graphicFrameChg chg="mod">
+          <ac:chgData name="Øyvind Wiig Petersen" userId="8db00c4c-acc5-4dea-8516-ccf730572e42" providerId="ADAL" clId="{655AD50B-0F14-444A-9318-7DAA432D9CE2}" dt="2023-10-17T07:19:46.908" v="6"/>
+          <ac:graphicFrameMkLst>
+            <pc:docMk/>
+            <pc:sldMk cId="1438416825" sldId="619"/>
+            <ac:graphicFrameMk id="6" creationId="{ECC4173A-EFA9-4CE7-A280-6D6A542608C3}"/>
+          </ac:graphicFrameMkLst>
+        </pc:graphicFrameChg>
+      </pc:sldChg>
+      <pc:sldChg chg="modSp mod">
+        <pc:chgData name="Øyvind Wiig Petersen" userId="8db00c4c-acc5-4dea-8516-ccf730572e42" providerId="ADAL" clId="{655AD50B-0F14-444A-9318-7DAA432D9CE2}" dt="2023-10-17T07:21:27.282" v="19" actId="1076"/>
+        <pc:sldMkLst>
+          <pc:docMk/>
+          <pc:sldMk cId="2816610699" sldId="623"/>
+        </pc:sldMkLst>
+        <pc:spChg chg="mod">
+          <ac:chgData name="Øyvind Wiig Petersen" userId="8db00c4c-acc5-4dea-8516-ccf730572e42" providerId="ADAL" clId="{655AD50B-0F14-444A-9318-7DAA432D9CE2}" dt="2023-10-17T07:21:27.282" v="19" actId="1076"/>
+          <ac:spMkLst>
+            <pc:docMk/>
+            <pc:sldMk cId="2816610699" sldId="623"/>
+            <ac:spMk id="13" creationId="{DD3BF503-E427-4A26-9174-7A2882ED7A71}"/>
+          </ac:spMkLst>
+        </pc:spChg>
+        <pc:graphicFrameChg chg="mod">
+          <ac:chgData name="Øyvind Wiig Petersen" userId="8db00c4c-acc5-4dea-8516-ccf730572e42" providerId="ADAL" clId="{655AD50B-0F14-444A-9318-7DAA432D9CE2}" dt="2023-10-17T07:21:24.140" v="18" actId="1076"/>
+          <ac:graphicFrameMkLst>
+            <pc:docMk/>
+            <pc:sldMk cId="2816610699" sldId="623"/>
+            <ac:graphicFrameMk id="2" creationId="{7576B42E-F2B1-492F-ADE0-A46AB183AC9A}"/>
+          </ac:graphicFrameMkLst>
+        </pc:graphicFrameChg>
+        <pc:graphicFrameChg chg="mod">
+          <ac:chgData name="Øyvind Wiig Petersen" userId="8db00c4c-acc5-4dea-8516-ccf730572e42" providerId="ADAL" clId="{655AD50B-0F14-444A-9318-7DAA432D9CE2}" dt="2023-10-17T07:21:07.920" v="14"/>
+          <ac:graphicFrameMkLst>
+            <pc:docMk/>
+            <pc:sldMk cId="2816610699" sldId="623"/>
+            <ac:graphicFrameMk id="7" creationId="{ED646AEA-79FB-4565-AE98-0CD4165F0C09}"/>
+          </ac:graphicFrameMkLst>
+        </pc:graphicFrameChg>
+      </pc:sldChg>
+      <pc:sldChg chg="modSp mod">
+        <pc:chgData name="Øyvind Wiig Petersen" userId="8db00c4c-acc5-4dea-8516-ccf730572e42" providerId="ADAL" clId="{655AD50B-0F14-444A-9318-7DAA432D9CE2}" dt="2023-10-17T07:22:13.577" v="21"/>
+        <pc:sldMkLst>
+          <pc:docMk/>
+          <pc:sldMk cId="3803654784" sldId="627"/>
+        </pc:sldMkLst>
+        <pc:graphicFrameChg chg="mod">
+          <ac:chgData name="Øyvind Wiig Petersen" userId="8db00c4c-acc5-4dea-8516-ccf730572e42" providerId="ADAL" clId="{655AD50B-0F14-444A-9318-7DAA432D9CE2}" dt="2023-10-17T07:22:13.577" v="21"/>
+          <ac:graphicFrameMkLst>
+            <pc:docMk/>
+            <pc:sldMk cId="3803654784" sldId="627"/>
+            <ac:graphicFrameMk id="11" creationId="{7907E8E0-30C8-8108-2C12-BCE947E24BA3}"/>
+          </ac:graphicFrameMkLst>
+        </pc:graphicFrameChg>
+      </pc:sldChg>
+      <pc:sldChg chg="modSp mod">
+        <pc:chgData name="Øyvind Wiig Petersen" userId="8db00c4c-acc5-4dea-8516-ccf730572e42" providerId="ADAL" clId="{655AD50B-0F14-444A-9318-7DAA432D9CE2}" dt="2023-10-17T07:23:15.204" v="27" actId="14100"/>
+        <pc:sldMkLst>
+          <pc:docMk/>
+          <pc:sldMk cId="3378448526" sldId="632"/>
+        </pc:sldMkLst>
+        <pc:spChg chg="mod">
+          <ac:chgData name="Øyvind Wiig Petersen" userId="8db00c4c-acc5-4dea-8516-ccf730572e42" providerId="ADAL" clId="{655AD50B-0F14-444A-9318-7DAA432D9CE2}" dt="2023-10-17T07:23:15.204" v="27" actId="14100"/>
+          <ac:spMkLst>
+            <pc:docMk/>
+            <pc:sldMk cId="3378448526" sldId="632"/>
+            <ac:spMk id="21" creationId="{F0B5F13D-BD88-4866-A706-EEAD82C317A0}"/>
+          </ac:spMkLst>
+        </pc:spChg>
+        <pc:spChg chg="mod">
+          <ac:chgData name="Øyvind Wiig Petersen" userId="8db00c4c-acc5-4dea-8516-ccf730572e42" providerId="ADAL" clId="{655AD50B-0F14-444A-9318-7DAA432D9CE2}" dt="2023-10-17T07:23:09.941" v="26" actId="14100"/>
+          <ac:spMkLst>
+            <pc:docMk/>
+            <pc:sldMk cId="3378448526" sldId="632"/>
+            <ac:spMk id="22" creationId="{D7680EFB-1A8F-4904-B14C-85F7DFCE3B87}"/>
+          </ac:spMkLst>
+        </pc:spChg>
+        <pc:graphicFrameChg chg="mod">
+          <ac:chgData name="Øyvind Wiig Petersen" userId="8db00c4c-acc5-4dea-8516-ccf730572e42" providerId="ADAL" clId="{655AD50B-0F14-444A-9318-7DAA432D9CE2}" dt="2023-10-17T07:22:59.491" v="25"/>
+          <ac:graphicFrameMkLst>
+            <pc:docMk/>
+            <pc:sldMk cId="3378448526" sldId="632"/>
+            <ac:graphicFrameMk id="14" creationId="{47C2D52E-72F9-43EB-AC3D-C973D70E96A3}"/>
+          </ac:graphicFrameMkLst>
+        </pc:graphicFrameChg>
+      </pc:sldChg>
+    </pc:docChg>
+  </pc:docChgLst>
+  <pc:docChgLst>
+    <pc:chgData name="Øyvind Wiig Petersen" userId="8db00c4c-acc5-4dea-8516-ccf730572e42" providerId="ADAL" clId="{7F2D753E-FCB7-4D29-B75F-D75422EA7188}"/>
+    <pc:docChg chg="modSld">
+      <pc:chgData name="Øyvind Wiig Petersen" userId="8db00c4c-acc5-4dea-8516-ccf730572e42" providerId="ADAL" clId="{7F2D753E-FCB7-4D29-B75F-D75422EA7188}" dt="2023-04-01T07:12:26.302" v="0" actId="20577"/>
+      <pc:docMkLst>
+        <pc:docMk/>
+      </pc:docMkLst>
+      <pc:sldChg chg="modSp mod">
+        <pc:chgData name="Øyvind Wiig Petersen" userId="8db00c4c-acc5-4dea-8516-ccf730572e42" providerId="ADAL" clId="{7F2D753E-FCB7-4D29-B75F-D75422EA7188}" dt="2023-04-01T07:12:26.302" v="0" actId="20577"/>
+        <pc:sldMkLst>
+          <pc:docMk/>
+          <pc:sldMk cId="1438416825" sldId="619"/>
+        </pc:sldMkLst>
+        <pc:spChg chg="mod">
+          <ac:chgData name="Øyvind Wiig Petersen" userId="8db00c4c-acc5-4dea-8516-ccf730572e42" providerId="ADAL" clId="{7F2D753E-FCB7-4D29-B75F-D75422EA7188}" dt="2023-04-01T07:12:26.302" v="0" actId="20577"/>
+          <ac:spMkLst>
+            <pc:docMk/>
+            <pc:sldMk cId="1438416825" sldId="619"/>
+            <ac:spMk id="13" creationId="{0D814A65-3B76-4265-8390-22BE11D6F7CB}"/>
+          </ac:spMkLst>
+        </pc:spChg>
+      </pc:sldChg>
+    </pc:docChg>
+  </pc:docChgLst>
+  <pc:docChgLst>
+    <pc:chgData name="Øyvind Wiig Petersen" userId="8db00c4c-acc5-4dea-8516-ccf730572e42" providerId="ADAL" clId="{2862C2A6-36D7-4520-9A52-4444B5609254}"/>
+    <pc:docChg chg="modSld">
+      <pc:chgData name="Øyvind Wiig Petersen" userId="8db00c4c-acc5-4dea-8516-ccf730572e42" providerId="ADAL" clId="{2862C2A6-36D7-4520-9A52-4444B5609254}" dt="2024-05-28T06:29:38.628" v="30" actId="20577"/>
+      <pc:docMkLst>
+        <pc:docMk/>
+      </pc:docMkLst>
+      <pc:sldChg chg="modSp mod">
+        <pc:chgData name="Øyvind Wiig Petersen" userId="8db00c4c-acc5-4dea-8516-ccf730572e42" providerId="ADAL" clId="{2862C2A6-36D7-4520-9A52-4444B5609254}" dt="2024-05-28T06:29:38.628" v="30" actId="20577"/>
+        <pc:sldMkLst>
+          <pc:docMk/>
+          <pc:sldMk cId="1834186742" sldId="618"/>
+        </pc:sldMkLst>
+        <pc:spChg chg="mod">
+          <ac:chgData name="Øyvind Wiig Petersen" userId="8db00c4c-acc5-4dea-8516-ccf730572e42" providerId="ADAL" clId="{2862C2A6-36D7-4520-9A52-4444B5609254}" dt="2024-05-28T06:29:38.628" v="30" actId="20577"/>
+          <ac:spMkLst>
+            <pc:docMk/>
+            <pc:sldMk cId="1834186742" sldId="618"/>
+            <ac:spMk id="13" creationId="{348DDC63-D03F-4E4B-B5C0-63C3F1A3BC59}"/>
+          </ac:spMkLst>
+        </pc:spChg>
+      </pc:sldChg>
+    </pc:docChg>
+  </pc:docChgLst>
+  <pc:docChgLst>
+    <pc:chgData name="Øyvind Wiig Petersen" userId="8db00c4c-acc5-4dea-8516-ccf730572e42" providerId="ADAL" clId="{590B885A-26CC-4389-B5A6-C6D1F31E2844}"/>
+    <pc:docChg chg="modSld">
+      <pc:chgData name="Øyvind Wiig Petersen" userId="8db00c4c-acc5-4dea-8516-ccf730572e42" providerId="ADAL" clId="{590B885A-26CC-4389-B5A6-C6D1F31E2844}" dt="2022-05-21T19:49:04.869" v="12" actId="1076"/>
+      <pc:docMkLst>
+        <pc:docMk/>
+      </pc:docMkLst>
+      <pc:sldChg chg="addSp modSp mod">
+        <pc:chgData name="Øyvind Wiig Petersen" userId="8db00c4c-acc5-4dea-8516-ccf730572e42" providerId="ADAL" clId="{590B885A-26CC-4389-B5A6-C6D1F31E2844}" dt="2022-05-21T19:49:04.869" v="12" actId="1076"/>
+        <pc:sldMkLst>
+          <pc:docMk/>
+          <pc:sldMk cId="531684205" sldId="614"/>
+        </pc:sldMkLst>
+        <pc:graphicFrameChg chg="add mod">
+          <ac:chgData name="Øyvind Wiig Petersen" userId="8db00c4c-acc5-4dea-8516-ccf730572e42" providerId="ADAL" clId="{590B885A-26CC-4389-B5A6-C6D1F31E2844}" dt="2022-05-21T19:49:04.869" v="12" actId="1076"/>
+          <ac:graphicFrameMkLst>
+            <pc:docMk/>
+            <pc:sldMk cId="531684205" sldId="614"/>
+            <ac:graphicFrameMk id="3" creationId="{05031DC9-E01F-4BF8-B625-380AC2193A83}"/>
+          </ac:graphicFrameMkLst>
+        </pc:graphicFrameChg>
+        <pc:graphicFrameChg chg="mod">
+          <ac:chgData name="Øyvind Wiig Petersen" userId="8db00c4c-acc5-4dea-8516-ccf730572e42" providerId="ADAL" clId="{590B885A-26CC-4389-B5A6-C6D1F31E2844}" dt="2022-05-21T19:48:49.385" v="7" actId="14100"/>
+          <ac:graphicFrameMkLst>
+            <pc:docMk/>
+            <pc:sldMk cId="531684205" sldId="614"/>
+            <ac:graphicFrameMk id="10" creationId="{705CB2F5-9F0E-40F3-81BC-42746D822C1C}"/>
+          </ac:graphicFrameMkLst>
+        </pc:graphicFrameChg>
+      </pc:sldChg>
+    </pc:docChg>
+  </pc:docChgLst>
+  <pc:docChgLst>
+    <pc:chgData name="Øyvind Wiig Petersen" userId="8db00c4c-acc5-4dea-8516-ccf730572e42" providerId="ADAL" clId="{978783BF-9D18-44A1-AF9B-809355E7A3AA}"/>
+    <pc:docChg chg="undo custSel addSld modSld sldOrd">
+      <pc:chgData name="Øyvind Wiig Petersen" userId="8db00c4c-acc5-4dea-8516-ccf730572e42" providerId="ADAL" clId="{978783BF-9D18-44A1-AF9B-809355E7A3AA}" dt="2022-10-29T06:55:15.382" v="769" actId="1076"/>
+      <pc:docMkLst>
+        <pc:docMk/>
+      </pc:docMkLst>
+      <pc:sldChg chg="modSp mod">
+        <pc:chgData name="Øyvind Wiig Petersen" userId="8db00c4c-acc5-4dea-8516-ccf730572e42" providerId="ADAL" clId="{978783BF-9D18-44A1-AF9B-809355E7A3AA}" dt="2022-10-10T08:58:07.677" v="80" actId="20577"/>
+        <pc:sldMkLst>
+          <pc:docMk/>
+          <pc:sldMk cId="1834186742" sldId="618"/>
+        </pc:sldMkLst>
+        <pc:spChg chg="mod">
+          <ac:chgData name="Øyvind Wiig Petersen" userId="8db00c4c-acc5-4dea-8516-ccf730572e42" providerId="ADAL" clId="{978783BF-9D18-44A1-AF9B-809355E7A3AA}" dt="2022-10-10T08:58:07.677" v="80" actId="20577"/>
+          <ac:spMkLst>
+            <pc:docMk/>
+            <pc:sldMk cId="1834186742" sldId="618"/>
+            <ac:spMk id="12" creationId="{714EA05B-DC29-9A49-9E07-BD359950FFCC}"/>
+          </ac:spMkLst>
+        </pc:spChg>
+      </pc:sldChg>
+      <pc:sldChg chg="modSp mod">
+        <pc:chgData name="Øyvind Wiig Petersen" userId="8db00c4c-acc5-4dea-8516-ccf730572e42" providerId="ADAL" clId="{978783BF-9D18-44A1-AF9B-809355E7A3AA}" dt="2022-10-26T08:46:18.538" v="745"/>
+        <pc:sldMkLst>
+          <pc:docMk/>
+          <pc:sldMk cId="1438416825" sldId="619"/>
+        </pc:sldMkLst>
+        <pc:spChg chg="mod">
+          <ac:chgData name="Øyvind Wiig Petersen" userId="8db00c4c-acc5-4dea-8516-ccf730572e42" providerId="ADAL" clId="{978783BF-9D18-44A1-AF9B-809355E7A3AA}" dt="2022-09-19T10:06:33.187" v="40" actId="20577"/>
+          <ac:spMkLst>
+            <pc:docMk/>
+            <pc:sldMk cId="1438416825" sldId="619"/>
+            <ac:spMk id="11" creationId="{BC28DC8C-597C-4CE1-8577-DCAE653A9CD0}"/>
+          </ac:spMkLst>
+        </pc:spChg>
+        <pc:graphicFrameChg chg="mod">
+          <ac:chgData name="Øyvind Wiig Petersen" userId="8db00c4c-acc5-4dea-8516-ccf730572e42" providerId="ADAL" clId="{978783BF-9D18-44A1-AF9B-809355E7A3AA}" dt="2022-10-26T08:03:17.699" v="729"/>
+          <ac:graphicFrameMkLst>
+            <pc:docMk/>
+            <pc:sldMk cId="1438416825" sldId="619"/>
+            <ac:graphicFrameMk id="4" creationId="{07F3FFE8-761D-4361-BC7C-E2AAD99374C5}"/>
+          </ac:graphicFrameMkLst>
+        </pc:graphicFrameChg>
+        <pc:graphicFrameChg chg="mod">
+          <ac:chgData name="Øyvind Wiig Petersen" userId="8db00c4c-acc5-4dea-8516-ccf730572e42" providerId="ADAL" clId="{978783BF-9D18-44A1-AF9B-809355E7A3AA}" dt="2022-10-26T08:46:18.538" v="745"/>
+          <ac:graphicFrameMkLst>
+            <pc:docMk/>
+            <pc:sldMk cId="1438416825" sldId="619"/>
+            <ac:graphicFrameMk id="6" creationId="{ECC4173A-EFA9-4CE7-A280-6D6A542608C3}"/>
+          </ac:graphicFrameMkLst>
+        </pc:graphicFrameChg>
+      </pc:sldChg>
+      <pc:sldChg chg="modSp mod">
+        <pc:chgData name="Øyvind Wiig Petersen" userId="8db00c4c-acc5-4dea-8516-ccf730572e42" providerId="ADAL" clId="{978783BF-9D18-44A1-AF9B-809355E7A3AA}" dt="2022-09-19T10:16:03.281" v="65" actId="20577"/>
+        <pc:sldMkLst>
+          <pc:docMk/>
+          <pc:sldMk cId="24138218" sldId="621"/>
+        </pc:sldMkLst>
+        <pc:spChg chg="mod">
+          <ac:chgData name="Øyvind Wiig Petersen" userId="8db00c4c-acc5-4dea-8516-ccf730572e42" providerId="ADAL" clId="{978783BF-9D18-44A1-AF9B-809355E7A3AA}" dt="2022-09-19T10:16:03.281" v="65" actId="20577"/>
+          <ac:spMkLst>
+            <pc:docMk/>
+            <pc:sldMk cId="24138218" sldId="621"/>
+            <ac:spMk id="2" creationId="{DFFE5FED-D9FC-44C0-8A22-E84A8866DD25}"/>
+          </ac:spMkLst>
+        </pc:spChg>
+      </pc:sldChg>
+      <pc:sldChg chg="addSp delSp modSp mod">
+        <pc:chgData name="Øyvind Wiig Petersen" userId="8db00c4c-acc5-4dea-8516-ccf730572e42" providerId="ADAL" clId="{978783BF-9D18-44A1-AF9B-809355E7A3AA}" dt="2022-09-19T10:19:01.560" v="71"/>
+        <pc:sldMkLst>
+          <pc:docMk/>
+          <pc:sldMk cId="3895436875" sldId="622"/>
+        </pc:sldMkLst>
+        <pc:spChg chg="mod">
+          <ac:chgData name="Øyvind Wiig Petersen" userId="8db00c4c-acc5-4dea-8516-ccf730572e42" providerId="ADAL" clId="{978783BF-9D18-44A1-AF9B-809355E7A3AA}" dt="2022-09-19T10:04:48.011" v="31" actId="14100"/>
+          <ac:spMkLst>
+            <pc:docMk/>
+            <pc:sldMk cId="3895436875" sldId="622"/>
+            <ac:spMk id="12" creationId="{4E5AB06C-D6FC-484E-AA04-73C3121F1363}"/>
+          </ac:spMkLst>
+        </pc:spChg>
+        <pc:spChg chg="add del mod">
+          <ac:chgData name="Øyvind Wiig Petersen" userId="8db00c4c-acc5-4dea-8516-ccf730572e42" providerId="ADAL" clId="{978783BF-9D18-44A1-AF9B-809355E7A3AA}" dt="2022-09-19T10:11:41.990" v="61" actId="478"/>
+          <ac:spMkLst>
+            <pc:docMk/>
+            <pc:sldMk cId="3895436875" sldId="622"/>
+            <ac:spMk id="13" creationId="{358A9FC7-A2FD-5861-F29A-9A275DBAFFD2}"/>
+          </ac:spMkLst>
+        </pc:spChg>
+        <pc:graphicFrameChg chg="mod">
+          <ac:chgData name="Øyvind Wiig Petersen" userId="8db00c4c-acc5-4dea-8516-ccf730572e42" providerId="ADAL" clId="{978783BF-9D18-44A1-AF9B-809355E7A3AA}" dt="2022-09-19T10:08:15.084" v="45"/>
+          <ac:graphicFrameMkLst>
+            <pc:docMk/>
+            <pc:sldMk cId="3895436875" sldId="622"/>
+            <ac:graphicFrameMk id="2" creationId="{8172D43D-8039-842F-74D6-8B829BBFBBAB}"/>
+          </ac:graphicFrameMkLst>
+        </pc:graphicFrameChg>
+        <pc:graphicFrameChg chg="add del mod">
+          <ac:chgData name="Øyvind Wiig Petersen" userId="8db00c4c-acc5-4dea-8516-ccf730572e42" providerId="ADAL" clId="{978783BF-9D18-44A1-AF9B-809355E7A3AA}" dt="2022-09-19T10:11:24.075" v="58" actId="478"/>
+          <ac:graphicFrameMkLst>
+            <pc:docMk/>
+            <pc:sldMk cId="3895436875" sldId="622"/>
+            <ac:graphicFrameMk id="3" creationId="{DF87BA3A-A956-F764-4DBB-BB88E4330A04}"/>
+          </ac:graphicFrameMkLst>
+        </pc:graphicFrameChg>
+        <pc:graphicFrameChg chg="add del mod">
+          <ac:chgData name="Øyvind Wiig Petersen" userId="8db00c4c-acc5-4dea-8516-ccf730572e42" providerId="ADAL" clId="{978783BF-9D18-44A1-AF9B-809355E7A3AA}" dt="2022-09-19T10:11:18.800" v="57" actId="478"/>
+          <ac:graphicFrameMkLst>
+            <pc:docMk/>
+            <pc:sldMk cId="3895436875" sldId="622"/>
+            <ac:graphicFrameMk id="4" creationId="{BCBBDA95-83EF-EF13-1A73-2DEF9DEAA6E0}"/>
+          </ac:graphicFrameMkLst>
+        </pc:graphicFrameChg>
+        <pc:graphicFrameChg chg="mod">
+          <ac:chgData name="Øyvind Wiig Petersen" userId="8db00c4c-acc5-4dea-8516-ccf730572e42" providerId="ADAL" clId="{978783BF-9D18-44A1-AF9B-809355E7A3AA}" dt="2022-09-19T10:19:01.560" v="71"/>
+          <ac:graphicFrameMkLst>
+            <pc:docMk/>
+            <pc:sldMk cId="3895436875" sldId="622"/>
+            <ac:graphicFrameMk id="6" creationId="{ECC4173A-EFA9-4CE7-A280-6D6A542608C3}"/>
+          </ac:graphicFrameMkLst>
+        </pc:graphicFrameChg>
+      </pc:sldChg>
+      <pc:sldChg chg="modSp mod">
+        <pc:chgData name="Øyvind Wiig Petersen" userId="8db00c4c-acc5-4dea-8516-ccf730572e42" providerId="ADAL" clId="{978783BF-9D18-44A1-AF9B-809355E7A3AA}" dt="2022-10-26T08:46:41.224" v="752"/>
+        <pc:sldMkLst>
+          <pc:docMk/>
+          <pc:sldMk cId="2816610699" sldId="623"/>
+        </pc:sldMkLst>
+        <pc:spChg chg="mod">
+          <ac:chgData name="Øyvind Wiig Petersen" userId="8db00c4c-acc5-4dea-8516-ccf730572e42" providerId="ADAL" clId="{978783BF-9D18-44A1-AF9B-809355E7A3AA}" dt="2022-10-03T06:46:37.946" v="77" actId="20577"/>
+          <ac:spMkLst>
+            <pc:docMk/>
+            <pc:sldMk cId="2816610699" sldId="623"/>
+            <ac:spMk id="14" creationId="{AD08724C-EEEF-4E0B-8572-BAC89AD55A27}"/>
+          </ac:spMkLst>
+        </pc:spChg>
+        <pc:graphicFrameChg chg="mod">
+          <ac:chgData name="Øyvind Wiig Petersen" userId="8db00c4c-acc5-4dea-8516-ccf730572e42" providerId="ADAL" clId="{978783BF-9D18-44A1-AF9B-809355E7A3AA}" dt="2022-10-26T08:46:41.224" v="752"/>
+          <ac:graphicFrameMkLst>
+            <pc:docMk/>
+            <pc:sldMk cId="2816610699" sldId="623"/>
+            <ac:graphicFrameMk id="2" creationId="{7576B42E-F2B1-492F-ADE0-A46AB183AC9A}"/>
+          </ac:graphicFrameMkLst>
+        </pc:graphicFrameChg>
+        <pc:graphicFrameChg chg="mod">
+          <ac:chgData name="Øyvind Wiig Petersen" userId="8db00c4c-acc5-4dea-8516-ccf730572e42" providerId="ADAL" clId="{978783BF-9D18-44A1-AF9B-809355E7A3AA}" dt="2022-10-26T08:46:27.968" v="747"/>
+          <ac:graphicFrameMkLst>
+            <pc:docMk/>
+            <pc:sldMk cId="2816610699" sldId="623"/>
+            <ac:graphicFrameMk id="7" creationId="{ED646AEA-79FB-4565-AE98-0CD4165F0C09}"/>
+          </ac:graphicFrameMkLst>
+        </pc:graphicFrameChg>
+      </pc:sldChg>
+      <pc:sldChg chg="addSp modSp mod">
+        <pc:chgData name="Øyvind Wiig Petersen" userId="8db00c4c-acc5-4dea-8516-ccf730572e42" providerId="ADAL" clId="{978783BF-9D18-44A1-AF9B-809355E7A3AA}" dt="2022-10-29T06:53:18.512" v="766" actId="114"/>
+        <pc:sldMkLst>
+          <pc:docMk/>
+          <pc:sldMk cId="3803654784" sldId="627"/>
+        </pc:sldMkLst>
+        <pc:spChg chg="add mod">
+          <ac:chgData name="Øyvind Wiig Petersen" userId="8db00c4c-acc5-4dea-8516-ccf730572e42" providerId="ADAL" clId="{978783BF-9D18-44A1-AF9B-809355E7A3AA}" dt="2022-10-29T06:53:18.512" v="766" actId="114"/>
+          <ac:spMkLst>
+            <pc:docMk/>
+            <pc:sldMk cId="3803654784" sldId="627"/>
+            <ac:spMk id="2" creationId="{1EB9BAD9-8A93-1C6E-C793-0634712A6EDD}"/>
+          </ac:spMkLst>
+        </pc:spChg>
+        <pc:spChg chg="mod">
+          <ac:chgData name="Øyvind Wiig Petersen" userId="8db00c4c-acc5-4dea-8516-ccf730572e42" providerId="ADAL" clId="{978783BF-9D18-44A1-AF9B-809355E7A3AA}" dt="2022-10-25T14:21:19.310" v="684" actId="114"/>
+          <ac:spMkLst>
+            <pc:docMk/>
+            <pc:sldMk cId="3803654784" sldId="627"/>
+            <ac:spMk id="13" creationId="{1630DDAB-9BC1-3FE6-6914-00048223B36D}"/>
+          </ac:spMkLst>
+        </pc:spChg>
+        <pc:graphicFrameChg chg="mod">
+          <ac:chgData name="Øyvind Wiig Petersen" userId="8db00c4c-acc5-4dea-8516-ccf730572e42" providerId="ADAL" clId="{978783BF-9D18-44A1-AF9B-809355E7A3AA}" dt="2022-10-26T08:46:01.262" v="742"/>
+          <ac:graphicFrameMkLst>
+            <pc:docMk/>
+            <pc:sldMk cId="3803654784" sldId="627"/>
+            <ac:graphicFrameMk id="7" creationId="{E5B9C4F1-7DF0-E8C9-5063-D2D0644CCA3A}"/>
+          </ac:graphicFrameMkLst>
+        </pc:graphicFrameChg>
+        <pc:graphicFrameChg chg="mod">
+          <ac:chgData name="Øyvind Wiig Petersen" userId="8db00c4c-acc5-4dea-8516-ccf730572e42" providerId="ADAL" clId="{978783BF-9D18-44A1-AF9B-809355E7A3AA}" dt="2022-10-26T08:45:52.651" v="740"/>
+          <ac:graphicFrameMkLst>
+            <pc:docMk/>
+            <pc:sldMk cId="3803654784" sldId="627"/>
+            <ac:graphicFrameMk id="11" creationId="{7907E8E0-30C8-8108-2C12-BCE947E24BA3}"/>
+          </ac:graphicFrameMkLst>
+        </pc:graphicFrameChg>
+      </pc:sldChg>
+      <pc:sldChg chg="modSp">
+        <pc:chgData name="Øyvind Wiig Petersen" userId="8db00c4c-acc5-4dea-8516-ccf730572e42" providerId="ADAL" clId="{978783BF-9D18-44A1-AF9B-809355E7A3AA}" dt="2022-10-26T08:03:36.495" v="734"/>
+        <pc:sldMkLst>
+          <pc:docMk/>
+          <pc:sldMk cId="2140013030" sldId="629"/>
+        </pc:sldMkLst>
+        <pc:graphicFrameChg chg="mod">
+          <ac:chgData name="Øyvind Wiig Petersen" userId="8db00c4c-acc5-4dea-8516-ccf730572e42" providerId="ADAL" clId="{978783BF-9D18-44A1-AF9B-809355E7A3AA}" dt="2022-10-26T08:03:30.195" v="732"/>
+          <ac:graphicFrameMkLst>
+            <pc:docMk/>
+            <pc:sldMk cId="2140013030" sldId="629"/>
+            <ac:graphicFrameMk id="3" creationId="{A439AC10-00F3-B086-3093-90D99EA23B01}"/>
+          </ac:graphicFrameMkLst>
+        </pc:graphicFrameChg>
+        <pc:graphicFrameChg chg="mod">
+          <ac:chgData name="Øyvind Wiig Petersen" userId="8db00c4c-acc5-4dea-8516-ccf730572e42" providerId="ADAL" clId="{978783BF-9D18-44A1-AF9B-809355E7A3AA}" dt="2022-10-26T08:03:36.495" v="734"/>
+          <ac:graphicFrameMkLst>
+            <pc:docMk/>
+            <pc:sldMk cId="2140013030" sldId="629"/>
+            <ac:graphicFrameMk id="4" creationId="{080F7AB6-3449-EE86-AA11-BD158E30C119}"/>
+          </ac:graphicFrameMkLst>
+        </pc:graphicFrameChg>
+        <pc:graphicFrameChg chg="mod">
+          <ac:chgData name="Øyvind Wiig Petersen" userId="8db00c4c-acc5-4dea-8516-ccf730572e42" providerId="ADAL" clId="{978783BF-9D18-44A1-AF9B-809355E7A3AA}" dt="2022-09-19T10:19:11.159" v="73"/>
+          <ac:graphicFrameMkLst>
+            <pc:docMk/>
+            <pc:sldMk cId="2140013030" sldId="629"/>
+            <ac:graphicFrameMk id="5" creationId="{FF9DB076-4D24-0CA9-70A3-0B21C3261F25}"/>
+          </ac:graphicFrameMkLst>
+        </pc:graphicFrameChg>
+      </pc:sldChg>
+      <pc:sldChg chg="modSp">
+        <pc:chgData name="Øyvind Wiig Petersen" userId="8db00c4c-acc5-4dea-8516-ccf730572e42" providerId="ADAL" clId="{978783BF-9D18-44A1-AF9B-809355E7A3AA}" dt="2022-10-26T08:47:22.546" v="760"/>
+        <pc:sldMkLst>
+          <pc:docMk/>
+          <pc:sldMk cId="3378448526" sldId="632"/>
+        </pc:sldMkLst>
+        <pc:graphicFrameChg chg="mod">
+          <ac:chgData name="Øyvind Wiig Petersen" userId="8db00c4c-acc5-4dea-8516-ccf730572e42" providerId="ADAL" clId="{978783BF-9D18-44A1-AF9B-809355E7A3AA}" dt="2022-10-26T08:47:07.410" v="756"/>
+          <ac:graphicFrameMkLst>
+            <pc:docMk/>
+            <pc:sldMk cId="3378448526" sldId="632"/>
+            <ac:graphicFrameMk id="7" creationId="{F83BCE15-370C-47B2-8F3C-B7BF6972D51B}"/>
+          </ac:graphicFrameMkLst>
+        </pc:graphicFrameChg>
+        <pc:graphicFrameChg chg="mod">
+          <ac:chgData name="Øyvind Wiig Petersen" userId="8db00c4c-acc5-4dea-8516-ccf730572e42" providerId="ADAL" clId="{978783BF-9D18-44A1-AF9B-809355E7A3AA}" dt="2022-10-26T08:47:22.546" v="760"/>
+          <ac:graphicFrameMkLst>
+            <pc:docMk/>
+            <pc:sldMk cId="3378448526" sldId="632"/>
+            <ac:graphicFrameMk id="14" creationId="{47C2D52E-72F9-43EB-AC3D-C973D70E96A3}"/>
+          </ac:graphicFrameMkLst>
+        </pc:graphicFrameChg>
+      </pc:sldChg>
+      <pc:sldChg chg="modSp">
+        <pc:chgData name="Øyvind Wiig Petersen" userId="8db00c4c-acc5-4dea-8516-ccf730572e42" providerId="ADAL" clId="{978783BF-9D18-44A1-AF9B-809355E7A3AA}" dt="2022-10-26T08:48:15.172" v="764"/>
+        <pc:sldMkLst>
+          <pc:docMk/>
+          <pc:sldMk cId="2921964998" sldId="634"/>
+        </pc:sldMkLst>
+        <pc:graphicFrameChg chg="mod">
+          <ac:chgData name="Øyvind Wiig Petersen" userId="8db00c4c-acc5-4dea-8516-ccf730572e42" providerId="ADAL" clId="{978783BF-9D18-44A1-AF9B-809355E7A3AA}" dt="2022-10-26T08:48:08.154" v="762"/>
+          <ac:graphicFrameMkLst>
+            <pc:docMk/>
+            <pc:sldMk cId="2921964998" sldId="634"/>
+            <ac:graphicFrameMk id="3" creationId="{A71CBD68-7631-4771-B58D-E1E609737B4F}"/>
+          </ac:graphicFrameMkLst>
+        </pc:graphicFrameChg>
+        <pc:graphicFrameChg chg="mod">
+          <ac:chgData name="Øyvind Wiig Petersen" userId="8db00c4c-acc5-4dea-8516-ccf730572e42" providerId="ADAL" clId="{978783BF-9D18-44A1-AF9B-809355E7A3AA}" dt="2022-10-26T08:48:15.172" v="764"/>
+          <ac:graphicFrameMkLst>
+            <pc:docMk/>
+            <pc:sldMk cId="2921964998" sldId="634"/>
+            <ac:graphicFrameMk id="15" creationId="{2E5210A2-7F00-4B10-9830-C46A1EA274EA}"/>
+          </ac:graphicFrameMkLst>
+        </pc:graphicFrameChg>
+      </pc:sldChg>
+      <pc:sldChg chg="modSp mod">
+        <pc:chgData name="Øyvind Wiig Petersen" userId="8db00c4c-acc5-4dea-8516-ccf730572e42" providerId="ADAL" clId="{978783BF-9D18-44A1-AF9B-809355E7A3AA}" dt="2022-09-19T10:17:52.430" v="66" actId="1076"/>
+        <pc:sldMkLst>
+          <pc:docMk/>
+          <pc:sldMk cId="2207100053" sldId="635"/>
+        </pc:sldMkLst>
+        <pc:graphicFrameChg chg="mod">
+          <ac:chgData name="Øyvind Wiig Petersen" userId="8db00c4c-acc5-4dea-8516-ccf730572e42" providerId="ADAL" clId="{978783BF-9D18-44A1-AF9B-809355E7A3AA}" dt="2022-09-19T10:17:52.430" v="66" actId="1076"/>
+          <ac:graphicFrameMkLst>
+            <pc:docMk/>
+            <pc:sldMk cId="2207100053" sldId="635"/>
+            <ac:graphicFrameMk id="3" creationId="{A439AC10-00F3-B086-3093-90D99EA23B01}"/>
+          </ac:graphicFrameMkLst>
+        </pc:graphicFrameChg>
+      </pc:sldChg>
+      <pc:sldChg chg="addSp delSp modSp add mod ord">
+        <pc:chgData name="Øyvind Wiig Petersen" userId="8db00c4c-acc5-4dea-8516-ccf730572e42" providerId="ADAL" clId="{978783BF-9D18-44A1-AF9B-809355E7A3AA}" dt="2022-10-29T06:55:15.382" v="769" actId="1076"/>
+        <pc:sldMkLst>
+          <pc:docMk/>
+          <pc:sldMk cId="1535441309" sldId="636"/>
+        </pc:sldMkLst>
+        <pc:spChg chg="mod">
+          <ac:chgData name="Øyvind Wiig Petersen" userId="8db00c4c-acc5-4dea-8516-ccf730572e42" providerId="ADAL" clId="{978783BF-9D18-44A1-AF9B-809355E7A3AA}" dt="2022-10-22T06:43:09.226" v="134" actId="20577"/>
+          <ac:spMkLst>
+            <pc:docMk/>
+            <pc:sldMk cId="1535441309" sldId="636"/>
+            <ac:spMk id="5" creationId="{76DCE7D0-316F-B1D5-BBB5-27E6F1ECEAAC}"/>
+          </ac:spMkLst>
+        </pc:spChg>
+        <pc:spChg chg="add del mod">
+          <ac:chgData name="Øyvind Wiig Petersen" userId="8db00c4c-acc5-4dea-8516-ccf730572e42" providerId="ADAL" clId="{978783BF-9D18-44A1-AF9B-809355E7A3AA}" dt="2022-10-26T06:32:26.408" v="712" actId="478"/>
+          <ac:spMkLst>
+            <pc:docMk/>
+            <pc:sldMk cId="1535441309" sldId="636"/>
+            <ac:spMk id="6" creationId="{4D35A8C1-A013-AD6F-0549-04EEE136BB07}"/>
+          </ac:spMkLst>
+        </pc:spChg>
+        <pc:spChg chg="add mod">
+          <ac:chgData name="Øyvind Wiig Petersen" userId="8db00c4c-acc5-4dea-8516-ccf730572e42" providerId="ADAL" clId="{978783BF-9D18-44A1-AF9B-809355E7A3AA}" dt="2022-10-29T06:55:10.189" v="767" actId="1076"/>
+          <ac:spMkLst>
+            <pc:docMk/>
+            <pc:sldMk cId="1535441309" sldId="636"/>
+            <ac:spMk id="8" creationId="{DAD7DDEE-3F54-8E33-96E3-8CFAD20F29F4}"/>
+          </ac:spMkLst>
+        </pc:spChg>
+        <pc:spChg chg="del">
+          <ac:chgData name="Øyvind Wiig Petersen" userId="8db00c4c-acc5-4dea-8516-ccf730572e42" providerId="ADAL" clId="{978783BF-9D18-44A1-AF9B-809355E7A3AA}" dt="2022-10-22T06:42:34.534" v="84" actId="478"/>
+          <ac:spMkLst>
+            <pc:docMk/>
+            <pc:sldMk cId="1535441309" sldId="636"/>
+            <ac:spMk id="12" creationId="{D548317B-CE7D-48DC-89DB-17AAEAB2EBE5}"/>
+          </ac:spMkLst>
+        </pc:spChg>
+        <pc:spChg chg="mod">
+          <ac:chgData name="Øyvind Wiig Petersen" userId="8db00c4c-acc5-4dea-8516-ccf730572e42" providerId="ADAL" clId="{978783BF-9D18-44A1-AF9B-809355E7A3AA}" dt="2022-10-29T06:55:15.382" v="769" actId="1076"/>
+          <ac:spMkLst>
+            <pc:docMk/>
+            <pc:sldMk cId="1535441309" sldId="636"/>
+            <ac:spMk id="13" creationId="{1630DDAB-9BC1-3FE6-6914-00048223B36D}"/>
+          </ac:spMkLst>
+        </pc:spChg>
+        <pc:spChg chg="mod">
+          <ac:chgData name="Øyvind Wiig Petersen" userId="8db00c4c-acc5-4dea-8516-ccf730572e42" providerId="ADAL" clId="{978783BF-9D18-44A1-AF9B-809355E7A3AA}" dt="2022-10-22T06:50:26.161" v="319" actId="20577"/>
+          <ac:spMkLst>
+            <pc:docMk/>
+            <pc:sldMk cId="1535441309" sldId="636"/>
+            <ac:spMk id="16" creationId="{F2240AD8-2A35-4F12-AC45-9BAB3DF3FC9E}"/>
+          </ac:spMkLst>
+        </pc:spChg>
+        <pc:spChg chg="add del">
+          <ac:chgData name="Øyvind Wiig Petersen" userId="8db00c4c-acc5-4dea-8516-ccf730572e42" providerId="ADAL" clId="{978783BF-9D18-44A1-AF9B-809355E7A3AA}" dt="2022-10-22T06:42:46.939" v="88" actId="478"/>
+          <ac:spMkLst>
+            <pc:docMk/>
+            <pc:sldMk cId="1535441309" sldId="636"/>
+            <ac:spMk id="23" creationId="{DF63CA27-0111-47E0-B41E-191D9F3008CA}"/>
+          </ac:spMkLst>
+        </pc:spChg>
+        <pc:graphicFrameChg chg="add del mod">
+          <ac:chgData name="Øyvind Wiig Petersen" userId="8db00c4c-acc5-4dea-8516-ccf730572e42" providerId="ADAL" clId="{978783BF-9D18-44A1-AF9B-809355E7A3AA}" dt="2022-10-26T06:32:24.799" v="711" actId="478"/>
+          <ac:graphicFrameMkLst>
+            <pc:docMk/>
+            <pc:sldMk cId="1535441309" sldId="636"/>
+            <ac:graphicFrameMk id="2" creationId="{B614F3DD-DCF7-53C2-A1CD-369A31BC0B54}"/>
+          </ac:graphicFrameMkLst>
+        </pc:graphicFrameChg>
+        <pc:graphicFrameChg chg="add mod">
+          <ac:chgData name="Øyvind Wiig Petersen" userId="8db00c4c-acc5-4dea-8516-ccf730572e42" providerId="ADAL" clId="{978783BF-9D18-44A1-AF9B-809355E7A3AA}" dt="2022-10-29T06:55:12.260" v="768" actId="1076"/>
+          <ac:graphicFrameMkLst>
+            <pc:docMk/>
+            <pc:sldMk cId="1535441309" sldId="636"/>
+            <ac:graphicFrameMk id="3" creationId="{802B7492-DEC1-140E-FA2C-516141064DB9}"/>
+          </ac:graphicFrameMkLst>
+        </pc:graphicFrameChg>
+        <pc:graphicFrameChg chg="add del mod">
+          <ac:chgData name="Øyvind Wiig Petersen" userId="8db00c4c-acc5-4dea-8516-ccf730572e42" providerId="ADAL" clId="{978783BF-9D18-44A1-AF9B-809355E7A3AA}" dt="2022-10-26T08:45:08.270" v="738" actId="478"/>
+          <ac:graphicFrameMkLst>
+            <pc:docMk/>
+            <pc:sldMk cId="1535441309" sldId="636"/>
+            <ac:graphicFrameMk id="4" creationId="{BE741746-3F4E-B20B-C613-0E78C282769D}"/>
+          </ac:graphicFrameMkLst>
+        </pc:graphicFrameChg>
+        <pc:graphicFrameChg chg="add del">
+          <ac:chgData name="Øyvind Wiig Petersen" userId="8db00c4c-acc5-4dea-8516-ccf730572e42" providerId="ADAL" clId="{978783BF-9D18-44A1-AF9B-809355E7A3AA}" dt="2022-10-22T06:42:46.939" v="88" actId="478"/>
+          <ac:graphicFrameMkLst>
+            <pc:docMk/>
+            <pc:sldMk cId="1535441309" sldId="636"/>
+            <ac:graphicFrameMk id="4" creationId="{ED6DE24D-FA28-4B16-8CE0-D549FEE1299F}"/>
+          </ac:graphicFrameMkLst>
+        </pc:graphicFrameChg>
+        <pc:graphicFrameChg chg="del">
+          <ac:chgData name="Øyvind Wiig Petersen" userId="8db00c4c-acc5-4dea-8516-ccf730572e42" providerId="ADAL" clId="{978783BF-9D18-44A1-AF9B-809355E7A3AA}" dt="2022-10-22T06:57:40.954" v="612" actId="478"/>
+          <ac:graphicFrameMkLst>
+            <pc:docMk/>
+            <pc:sldMk cId="1535441309" sldId="636"/>
+            <ac:graphicFrameMk id="7" creationId="{E5B9C4F1-7DF0-E8C9-5063-D2D0644CCA3A}"/>
+          </ac:graphicFrameMkLst>
+        </pc:graphicFrameChg>
+        <pc:graphicFrameChg chg="add del mod">
+          <ac:chgData name="Øyvind Wiig Petersen" userId="8db00c4c-acc5-4dea-8516-ccf730572e42" providerId="ADAL" clId="{978783BF-9D18-44A1-AF9B-809355E7A3AA}" dt="2022-10-22T06:56:44.325" v="579" actId="478"/>
+          <ac:graphicFrameMkLst>
+            <pc:docMk/>
+            <pc:sldMk cId="1535441309" sldId="636"/>
+            <ac:graphicFrameMk id="9" creationId="{C7F79025-57EE-F0F1-0D5B-C66CAB2BD825}"/>
+          </ac:graphicFrameMkLst>
+        </pc:graphicFrameChg>
+        <pc:graphicFrameChg chg="add del mod">
+          <ac:chgData name="Øyvind Wiig Petersen" userId="8db00c4c-acc5-4dea-8516-ccf730572e42" providerId="ADAL" clId="{978783BF-9D18-44A1-AF9B-809355E7A3AA}" dt="2022-10-26T08:46:56.822" v="754"/>
+          <ac:graphicFrameMkLst>
+            <pc:docMk/>
+            <pc:sldMk cId="1535441309" sldId="636"/>
+            <ac:graphicFrameMk id="11" creationId="{7907E8E0-30C8-8108-2C12-BCE947E24BA3}"/>
+          </ac:graphicFrameMkLst>
+        </pc:graphicFrameChg>
+      </pc:sldChg>
+    </pc:docChg>
+  </pc:docChgLst>
+  <pc:docChgLst>
+    <pc:chgData name="Øyvind Wiig Petersen" userId="8db00c4c-acc5-4dea-8516-ccf730572e42" providerId="ADAL" clId="{4EC32237-43D0-4B03-951C-4445CB6B1649}"/>
+    <pc:docChg chg="modSld">
+      <pc:chgData name="Øyvind Wiig Petersen" userId="8db00c4c-acc5-4dea-8516-ccf730572e42" providerId="ADAL" clId="{4EC32237-43D0-4B03-951C-4445CB6B1649}" dt="2023-06-11T06:45:34.751" v="5" actId="20577"/>
+      <pc:docMkLst>
+        <pc:docMk/>
+      </pc:docMkLst>
+      <pc:sldChg chg="modSp mod">
+        <pc:chgData name="Øyvind Wiig Petersen" userId="8db00c4c-acc5-4dea-8516-ccf730572e42" providerId="ADAL" clId="{4EC32237-43D0-4B03-951C-4445CB6B1649}" dt="2023-06-11T06:44:51.639" v="4" actId="114"/>
+        <pc:sldMkLst>
+          <pc:docMk/>
+          <pc:sldMk cId="1438416825" sldId="619"/>
+        </pc:sldMkLst>
+        <pc:spChg chg="mod">
+          <ac:chgData name="Øyvind Wiig Petersen" userId="8db00c4c-acc5-4dea-8516-ccf730572e42" providerId="ADAL" clId="{4EC32237-43D0-4B03-951C-4445CB6B1649}" dt="2023-06-11T06:44:51.639" v="4" actId="114"/>
+          <ac:spMkLst>
+            <pc:docMk/>
+            <pc:sldMk cId="1438416825" sldId="619"/>
+            <ac:spMk id="13" creationId="{0D814A65-3B76-4265-8390-22BE11D6F7CB}"/>
+          </ac:spMkLst>
+        </pc:spChg>
+      </pc:sldChg>
+      <pc:sldChg chg="modSp mod">
+        <pc:chgData name="Øyvind Wiig Petersen" userId="8db00c4c-acc5-4dea-8516-ccf730572e42" providerId="ADAL" clId="{4EC32237-43D0-4B03-951C-4445CB6B1649}" dt="2023-06-11T06:45:34.751" v="5" actId="20577"/>
+        <pc:sldMkLst>
+          <pc:docMk/>
+          <pc:sldMk cId="2816610699" sldId="623"/>
+        </pc:sldMkLst>
+        <pc:spChg chg="mod">
+          <ac:chgData name="Øyvind Wiig Petersen" userId="8db00c4c-acc5-4dea-8516-ccf730572e42" providerId="ADAL" clId="{4EC32237-43D0-4B03-951C-4445CB6B1649}" dt="2023-06-11T06:45:34.751" v="5" actId="20577"/>
+          <ac:spMkLst>
+            <pc:docMk/>
+            <pc:sldMk cId="2816610699" sldId="623"/>
+            <ac:spMk id="14" creationId="{AD08724C-EEEF-4E0B-8572-BAC89AD55A27}"/>
+          </ac:spMkLst>
+        </pc:spChg>
+      </pc:sldChg>
+      <pc:sldChg chg="modSp mod">
+        <pc:chgData name="Øyvind Wiig Petersen" userId="8db00c4c-acc5-4dea-8516-ccf730572e42" providerId="ADAL" clId="{4EC32237-43D0-4B03-951C-4445CB6B1649}" dt="2023-06-11T06:43:36.422" v="3" actId="1076"/>
+        <pc:sldMkLst>
+          <pc:docMk/>
+          <pc:sldMk cId="3803654784" sldId="627"/>
+        </pc:sldMkLst>
+        <pc:graphicFrameChg chg="mod">
+          <ac:chgData name="Øyvind Wiig Petersen" userId="8db00c4c-acc5-4dea-8516-ccf730572e42" providerId="ADAL" clId="{4EC32237-43D0-4B03-951C-4445CB6B1649}" dt="2023-06-11T06:43:17.584" v="0" actId="1076"/>
+          <ac:graphicFrameMkLst>
+            <pc:docMk/>
+            <pc:sldMk cId="3803654784" sldId="627"/>
+            <ac:graphicFrameMk id="4" creationId="{ED6DE24D-FA28-4B16-8CE0-D549FEE1299F}"/>
+          </ac:graphicFrameMkLst>
+        </pc:graphicFrameChg>
+        <pc:graphicFrameChg chg="mod">
+          <ac:chgData name="Øyvind Wiig Petersen" userId="8db00c4c-acc5-4dea-8516-ccf730572e42" providerId="ADAL" clId="{4EC32237-43D0-4B03-951C-4445CB6B1649}" dt="2023-06-11T06:43:36.422" v="3" actId="1076"/>
+          <ac:graphicFrameMkLst>
+            <pc:docMk/>
+            <pc:sldMk cId="3803654784" sldId="627"/>
+            <ac:graphicFrameMk id="11" creationId="{7907E8E0-30C8-8108-2C12-BCE947E24BA3}"/>
+          </ac:graphicFrameMkLst>
+        </pc:graphicFrameChg>
+      </pc:sldChg>
+    </pc:docChg>
+  </pc:docChgLst>
+  <pc:docChgLst>
+    <pc:chgData name="Øyvind Wiig Petersen" userId="8db00c4c-acc5-4dea-8516-ccf730572e42" providerId="ADAL" clId="{13754DC5-F8E2-4166-BB1C-1D9DFC09BD20}"/>
+    <pc:docChg chg="custSel delSld modSld">
+      <pc:chgData name="Øyvind Wiig Petersen" userId="8db00c4c-acc5-4dea-8516-ccf730572e42" providerId="ADAL" clId="{13754DC5-F8E2-4166-BB1C-1D9DFC09BD20}" dt="2024-03-24T09:55:49.401" v="12" actId="2696"/>
+      <pc:docMkLst>
+        <pc:docMk/>
+      </pc:docMkLst>
+      <pc:sldChg chg="modSp">
+        <pc:chgData name="Øyvind Wiig Petersen" userId="8db00c4c-acc5-4dea-8516-ccf730572e42" providerId="ADAL" clId="{13754DC5-F8E2-4166-BB1C-1D9DFC09BD20}" dt="2024-03-24T09:54:43.134" v="4" actId="2085"/>
+        <pc:sldMkLst>
+          <pc:docMk/>
+          <pc:sldMk cId="2140013030" sldId="629"/>
+        </pc:sldMkLst>
+        <pc:graphicFrameChg chg="mod">
+          <ac:chgData name="Øyvind Wiig Petersen" userId="8db00c4c-acc5-4dea-8516-ccf730572e42" providerId="ADAL" clId="{13754DC5-F8E2-4166-BB1C-1D9DFC09BD20}" dt="2024-03-24T09:54:38.951" v="1" actId="2085"/>
+          <ac:graphicFrameMkLst>
+            <pc:docMk/>
+            <pc:sldMk cId="2140013030" sldId="629"/>
+            <ac:graphicFrameMk id="3" creationId="{A439AC10-00F3-B086-3093-90D99EA23B01}"/>
+          </ac:graphicFrameMkLst>
+        </pc:graphicFrameChg>
+        <pc:graphicFrameChg chg="mod">
+          <ac:chgData name="Øyvind Wiig Petersen" userId="8db00c4c-acc5-4dea-8516-ccf730572e42" providerId="ADAL" clId="{13754DC5-F8E2-4166-BB1C-1D9DFC09BD20}" dt="2024-03-24T09:54:41.984" v="3" actId="2085"/>
+          <ac:graphicFrameMkLst>
+            <pc:docMk/>
+            <pc:sldMk cId="2140013030" sldId="629"/>
+            <ac:graphicFrameMk id="4" creationId="{080F7AB6-3449-EE86-AA11-BD158E30C119}"/>
+          </ac:graphicFrameMkLst>
+        </pc:graphicFrameChg>
+        <pc:graphicFrameChg chg="mod">
+          <ac:chgData name="Øyvind Wiig Petersen" userId="8db00c4c-acc5-4dea-8516-ccf730572e42" providerId="ADAL" clId="{13754DC5-F8E2-4166-BB1C-1D9DFC09BD20}" dt="2024-03-24T09:54:43.134" v="4" actId="2085"/>
+          <ac:graphicFrameMkLst>
+            <pc:docMk/>
+            <pc:sldMk cId="2140013030" sldId="629"/>
+            <ac:graphicFrameMk id="5" creationId="{FF9DB076-4D24-0CA9-70A3-0B21C3261F25}"/>
+          </ac:graphicFrameMkLst>
+        </pc:graphicFrameChg>
+      </pc:sldChg>
+      <pc:sldChg chg="modSp mod">
+        <pc:chgData name="Øyvind Wiig Petersen" userId="8db00c4c-acc5-4dea-8516-ccf730572e42" providerId="ADAL" clId="{13754DC5-F8E2-4166-BB1C-1D9DFC09BD20}" dt="2024-03-24T09:55:33.180" v="11" actId="14100"/>
+        <pc:sldMkLst>
+          <pc:docMk/>
+          <pc:sldMk cId="3378448526" sldId="632"/>
+        </pc:sldMkLst>
+        <pc:spChg chg="mod">
+          <ac:chgData name="Øyvind Wiig Petersen" userId="8db00c4c-acc5-4dea-8516-ccf730572e42" providerId="ADAL" clId="{13754DC5-F8E2-4166-BB1C-1D9DFC09BD20}" dt="2024-03-24T09:55:25.904" v="9" actId="108"/>
+          <ac:spMkLst>
+            <pc:docMk/>
+            <pc:sldMk cId="3378448526" sldId="632"/>
+            <ac:spMk id="2" creationId="{7349F54D-C8F4-474B-A3E0-19F14F976DA1}"/>
+          </ac:spMkLst>
+        </pc:spChg>
+        <pc:spChg chg="mod">
+          <ac:chgData name="Øyvind Wiig Petersen" userId="8db00c4c-acc5-4dea-8516-ccf730572e42" providerId="ADAL" clId="{13754DC5-F8E2-4166-BB1C-1D9DFC09BD20}" dt="2024-03-24T09:55:29.147" v="10" actId="108"/>
+          <ac:spMkLst>
+            <pc:docMk/>
+            <pc:sldMk cId="3378448526" sldId="632"/>
+            <ac:spMk id="21" creationId="{F0B5F13D-BD88-4866-A706-EEAD82C317A0}"/>
+          </ac:spMkLst>
+        </pc:spChg>
+        <pc:spChg chg="mod">
+          <ac:chgData name="Øyvind Wiig Petersen" userId="8db00c4c-acc5-4dea-8516-ccf730572e42" providerId="ADAL" clId="{13754DC5-F8E2-4166-BB1C-1D9DFC09BD20}" dt="2024-03-24T09:55:33.180" v="11" actId="14100"/>
+          <ac:spMkLst>
+            <pc:docMk/>
+            <pc:sldMk cId="3378448526" sldId="632"/>
+            <ac:spMk id="22" creationId="{D7680EFB-1A8F-4904-B14C-85F7DFCE3B87}"/>
+          </ac:spMkLst>
+        </pc:spChg>
+      </pc:sldChg>
+      <pc:sldChg chg="delSp del mod">
+        <pc:chgData name="Øyvind Wiig Petersen" userId="8db00c4c-acc5-4dea-8516-ccf730572e42" providerId="ADAL" clId="{13754DC5-F8E2-4166-BB1C-1D9DFC09BD20}" dt="2024-03-24T09:55:49.401" v="12" actId="2696"/>
+        <pc:sldMkLst>
+          <pc:docMk/>
+          <pc:sldMk cId="2207100053" sldId="635"/>
+        </pc:sldMkLst>
+        <pc:graphicFrameChg chg="del">
+          <ac:chgData name="Øyvind Wiig Petersen" userId="8db00c4c-acc5-4dea-8516-ccf730572e42" providerId="ADAL" clId="{13754DC5-F8E2-4166-BB1C-1D9DFC09BD20}" dt="2024-03-12T09:13:34.586" v="0" actId="478"/>
+          <ac:graphicFrameMkLst>
+            <pc:docMk/>
+            <pc:sldMk cId="2207100053" sldId="635"/>
+            <ac:graphicFrameMk id="3" creationId="{A439AC10-00F3-B086-3093-90D99EA23B01}"/>
+          </ac:graphicFrameMkLst>
+        </pc:graphicFrameChg>
+      </pc:sldChg>
+    </pc:docChg>
+  </pc:docChgLst>
+  <pc:docChgLst>
+    <pc:chgData name="Øyvind Wiig Petersen" userId="8db00c4c-acc5-4dea-8516-ccf730572e42" providerId="ADAL" clId="{120DD752-33AD-47EF-A927-71DD6CD32BCC}"/>
+    <pc:docChg chg="modSld">
+      <pc:chgData name="Øyvind Wiig Petersen" userId="8db00c4c-acc5-4dea-8516-ccf730572e42" providerId="ADAL" clId="{120DD752-33AD-47EF-A927-71DD6CD32BCC}" dt="2023-12-04T14:58:04.691" v="0" actId="1076"/>
+      <pc:docMkLst>
+        <pc:docMk/>
+      </pc:docMkLst>
+      <pc:sldChg chg="modSp mod">
+        <pc:chgData name="Øyvind Wiig Petersen" userId="8db00c4c-acc5-4dea-8516-ccf730572e42" providerId="ADAL" clId="{120DD752-33AD-47EF-A927-71DD6CD32BCC}" dt="2023-12-04T14:58:04.691" v="0" actId="1076"/>
+        <pc:sldMkLst>
+          <pc:docMk/>
+          <pc:sldMk cId="2140013030" sldId="629"/>
+        </pc:sldMkLst>
+        <pc:graphicFrameChg chg="mod">
+          <ac:chgData name="Øyvind Wiig Petersen" userId="8db00c4c-acc5-4dea-8516-ccf730572e42" providerId="ADAL" clId="{120DD752-33AD-47EF-A927-71DD6CD32BCC}" dt="2023-12-04T14:58:04.691" v="0" actId="1076"/>
+          <ac:graphicFrameMkLst>
+            <pc:docMk/>
+            <pc:sldMk cId="2140013030" sldId="629"/>
+            <ac:graphicFrameMk id="2" creationId="{7576B42E-F2B1-492F-ADE0-A46AB183AC9A}"/>
+          </ac:graphicFrameMkLst>
+        </pc:graphicFrameChg>
+      </pc:sldChg>
+    </pc:docChg>
+  </pc:docChgLst>
+  <pc:docChgLst>
     <pc:chgData name="Øyvind Wiig Petersen" userId="8db00c4c-acc5-4dea-8516-ccf730572e42" providerId="ADAL" clId="{8825E2F7-6E4E-41C2-9B86-66079CBEB0C5}"/>
     <pc:docChg chg="undo redo custSel addSld delSld modSld sldOrd">
       <pc:chgData name="Øyvind Wiig Petersen" userId="8db00c4c-acc5-4dea-8516-ccf730572e42" providerId="ADAL" clId="{8825E2F7-6E4E-41C2-9B86-66079CBEB0C5}" dt="2022-07-04T07:32:55.752" v="2687" actId="1076"/>
@@ -2994,92 +3096,6 @@
             <pc:docMk/>
             <pc:sldMk cId="2921964998" sldId="634"/>
             <ac:graphicFrameMk id="15" creationId="{2E5210A2-7F00-4B10-9830-C46A1EA274EA}"/>
-          </ac:graphicFrameMkLst>
-        </pc:graphicFrameChg>
-      </pc:sldChg>
-    </pc:docChg>
-  </pc:docChgLst>
-  <pc:docChgLst>
-    <pc:chgData name="Øyvind Wiig Petersen" userId="8db00c4c-acc5-4dea-8516-ccf730572e42" providerId="ADAL" clId="{7F2D753E-FCB7-4D29-B75F-D75422EA7188}"/>
-    <pc:docChg chg="modSld">
-      <pc:chgData name="Øyvind Wiig Petersen" userId="8db00c4c-acc5-4dea-8516-ccf730572e42" providerId="ADAL" clId="{7F2D753E-FCB7-4D29-B75F-D75422EA7188}" dt="2023-04-01T07:12:26.302" v="0" actId="20577"/>
-      <pc:docMkLst>
-        <pc:docMk/>
-      </pc:docMkLst>
-      <pc:sldChg chg="modSp mod">
-        <pc:chgData name="Øyvind Wiig Petersen" userId="8db00c4c-acc5-4dea-8516-ccf730572e42" providerId="ADAL" clId="{7F2D753E-FCB7-4D29-B75F-D75422EA7188}" dt="2023-04-01T07:12:26.302" v="0" actId="20577"/>
-        <pc:sldMkLst>
-          <pc:docMk/>
-          <pc:sldMk cId="1438416825" sldId="619"/>
-        </pc:sldMkLst>
-        <pc:spChg chg="mod">
-          <ac:chgData name="Øyvind Wiig Petersen" userId="8db00c4c-acc5-4dea-8516-ccf730572e42" providerId="ADAL" clId="{7F2D753E-FCB7-4D29-B75F-D75422EA7188}" dt="2023-04-01T07:12:26.302" v="0" actId="20577"/>
-          <ac:spMkLst>
-            <pc:docMk/>
-            <pc:sldMk cId="1438416825" sldId="619"/>
-            <ac:spMk id="13" creationId="{0D814A65-3B76-4265-8390-22BE11D6F7CB}"/>
-          </ac:spMkLst>
-        </pc:spChg>
-      </pc:sldChg>
-    </pc:docChg>
-  </pc:docChgLst>
-  <pc:docChgLst>
-    <pc:chgData name="Øyvind Wiig Petersen" userId="8db00c4c-acc5-4dea-8516-ccf730572e42" providerId="ADAL" clId="{4EC32237-43D0-4B03-951C-4445CB6B1649}"/>
-    <pc:docChg chg="modSld">
-      <pc:chgData name="Øyvind Wiig Petersen" userId="8db00c4c-acc5-4dea-8516-ccf730572e42" providerId="ADAL" clId="{4EC32237-43D0-4B03-951C-4445CB6B1649}" dt="2023-06-11T06:45:34.751" v="5" actId="20577"/>
-      <pc:docMkLst>
-        <pc:docMk/>
-      </pc:docMkLst>
-      <pc:sldChg chg="modSp mod">
-        <pc:chgData name="Øyvind Wiig Petersen" userId="8db00c4c-acc5-4dea-8516-ccf730572e42" providerId="ADAL" clId="{4EC32237-43D0-4B03-951C-4445CB6B1649}" dt="2023-06-11T06:44:51.639" v="4" actId="114"/>
-        <pc:sldMkLst>
-          <pc:docMk/>
-          <pc:sldMk cId="1438416825" sldId="619"/>
-        </pc:sldMkLst>
-        <pc:spChg chg="mod">
-          <ac:chgData name="Øyvind Wiig Petersen" userId="8db00c4c-acc5-4dea-8516-ccf730572e42" providerId="ADAL" clId="{4EC32237-43D0-4B03-951C-4445CB6B1649}" dt="2023-06-11T06:44:51.639" v="4" actId="114"/>
-          <ac:spMkLst>
-            <pc:docMk/>
-            <pc:sldMk cId="1438416825" sldId="619"/>
-            <ac:spMk id="13" creationId="{0D814A65-3B76-4265-8390-22BE11D6F7CB}"/>
-          </ac:spMkLst>
-        </pc:spChg>
-      </pc:sldChg>
-      <pc:sldChg chg="modSp mod">
-        <pc:chgData name="Øyvind Wiig Petersen" userId="8db00c4c-acc5-4dea-8516-ccf730572e42" providerId="ADAL" clId="{4EC32237-43D0-4B03-951C-4445CB6B1649}" dt="2023-06-11T06:45:34.751" v="5" actId="20577"/>
-        <pc:sldMkLst>
-          <pc:docMk/>
-          <pc:sldMk cId="2816610699" sldId="623"/>
-        </pc:sldMkLst>
-        <pc:spChg chg="mod">
-          <ac:chgData name="Øyvind Wiig Petersen" userId="8db00c4c-acc5-4dea-8516-ccf730572e42" providerId="ADAL" clId="{4EC32237-43D0-4B03-951C-4445CB6B1649}" dt="2023-06-11T06:45:34.751" v="5" actId="20577"/>
-          <ac:spMkLst>
-            <pc:docMk/>
-            <pc:sldMk cId="2816610699" sldId="623"/>
-            <ac:spMk id="14" creationId="{AD08724C-EEEF-4E0B-8572-BAC89AD55A27}"/>
-          </ac:spMkLst>
-        </pc:spChg>
-      </pc:sldChg>
-      <pc:sldChg chg="modSp mod">
-        <pc:chgData name="Øyvind Wiig Petersen" userId="8db00c4c-acc5-4dea-8516-ccf730572e42" providerId="ADAL" clId="{4EC32237-43D0-4B03-951C-4445CB6B1649}" dt="2023-06-11T06:43:36.422" v="3" actId="1076"/>
-        <pc:sldMkLst>
-          <pc:docMk/>
-          <pc:sldMk cId="3803654784" sldId="627"/>
-        </pc:sldMkLst>
-        <pc:graphicFrameChg chg="mod">
-          <ac:chgData name="Øyvind Wiig Petersen" userId="8db00c4c-acc5-4dea-8516-ccf730572e42" providerId="ADAL" clId="{4EC32237-43D0-4B03-951C-4445CB6B1649}" dt="2023-06-11T06:43:17.584" v="0" actId="1076"/>
-          <ac:graphicFrameMkLst>
-            <pc:docMk/>
-            <pc:sldMk cId="3803654784" sldId="627"/>
-            <ac:graphicFrameMk id="4" creationId="{ED6DE24D-FA28-4B16-8CE0-D549FEE1299F}"/>
-          </ac:graphicFrameMkLst>
-        </pc:graphicFrameChg>
-        <pc:graphicFrameChg chg="mod">
-          <ac:chgData name="Øyvind Wiig Petersen" userId="8db00c4c-acc5-4dea-8516-ccf730572e42" providerId="ADAL" clId="{4EC32237-43D0-4B03-951C-4445CB6B1649}" dt="2023-06-11T06:43:36.422" v="3" actId="1076"/>
-          <ac:graphicFrameMkLst>
-            <pc:docMk/>
-            <pc:sldMk cId="3803654784" sldId="627"/>
-            <ac:graphicFrameMk id="11" creationId="{7907E8E0-30C8-8108-2C12-BCE947E24BA3}"/>
           </ac:graphicFrameMkLst>
         </pc:graphicFrameChg>
       </pc:sldChg>
@@ -3170,7 +3186,7 @@
           <a:p>
             <a:fld id="{A5900E29-18E1-4109-AAA1-F28C0AAA934D}" type="datetimeFigureOut">
               <a:rPr lang="en-US" smtClean="0"/>
-              <a:t>3/24/2024</a:t>
+              <a:t>5/28/2024</a:t>
             </a:fld>
             <a:endParaRPr lang="en-US"/>
           </a:p>
@@ -3335,7 +3351,7 @@
           <a:p>
             <a:fld id="{9202B75C-0EBB-4B30-BBC4-C5E69FFFE7FE}" type="datetimeFigureOut">
               <a:rPr lang="nb-NO" smtClean="0"/>
-              <a:t>24.03.2024</a:t>
+              <a:t>28.05.2024</a:t>
             </a:fld>
             <a:endParaRPr lang="nb-NO"/>
           </a:p>
@@ -7094,6 +7110,34 @@
               </a:rPr>
               <a:t>with target spectral densities</a:t>
             </a:r>
+            <a:br>
+              <a:rPr lang="en-US" dirty="0">
+                <a:solidFill>
+                  <a:schemeClr val="bg1"/>
+                </a:solidFill>
+              </a:rPr>
+            </a:br>
+            <a:r>
+              <a:rPr lang="en-US" dirty="0">
+                <a:solidFill>
+                  <a:schemeClr val="bg1"/>
+                </a:solidFill>
+              </a:rPr>
+              <a:t>(or </a:t>
+            </a:r>
+            <a:r>
+              <a:rPr lang="en-US">
+                <a:solidFill>
+                  <a:schemeClr val="bg1"/>
+                </a:solidFill>
+              </a:rPr>
+              <a:t>target autocorrelations)</a:t>
+            </a:r>
+            <a:endParaRPr lang="en-US" dirty="0">
+              <a:solidFill>
+                <a:schemeClr val="bg1"/>
+              </a:solidFill>
+            </a:endParaRPr>
           </a:p>
         </p:txBody>
       </p:sp>
@@ -16643,6 +16687,12 @@
 </file>
 
 <file path=customXml/item2.xml><?xml version="1.0" encoding="utf-8"?>
+<p:properties xmlns:p="http://schemas.microsoft.com/office/2006/metadata/properties" xmlns:xsi="http://www.w3.org/2001/XMLSchema-instance" xmlns:pc="http://schemas.microsoft.com/office/infopath/2007/PartnerControls">
+  <documentManagement/>
+</p:properties>
+</file>
+
+<file path=customXml/item3.xml><?xml version="1.0" encoding="utf-8"?>
 <ct:contentTypeSchema xmlns:ct="http://schemas.microsoft.com/office/2006/metadata/contentType" xmlns:ma="http://schemas.microsoft.com/office/2006/metadata/properties/metaAttributes" ct:_="" ma:_="" ma:contentTypeName="Document" ma:contentTypeID="0x0101005211F725C9B5C4468CB16BF006DC038E" ma:contentTypeVersion="14" ma:contentTypeDescription="Create a new document." ma:contentTypeScope="" ma:versionID="8fc18fa9082498103a389be71d804ccc">
   <xsd:schema xmlns:xsd="http://www.w3.org/2001/XMLSchema" xmlns:xs="http://www.w3.org/2001/XMLSchema" xmlns:p="http://schemas.microsoft.com/office/2006/metadata/properties" xmlns:ns3="bb43da5c-49da-475c-8c5c-3244aed61b0c" xmlns:ns4="c946b7e2-cc54-4581-898e-1f5d59eaacce" targetNamespace="http://schemas.microsoft.com/office/2006/metadata/properties" ma:root="true" ma:fieldsID="bd6a4fdcec273fc91dcb004f2a676485" ns3:_="" ns4:_="">
     <xsd:import namespace="bb43da5c-49da-475c-8c5c-3244aed61b0c"/>
@@ -16871,12 +16921,6 @@
 </ct:contentTypeSchema>
 </file>
 
-<file path=customXml/item3.xml><?xml version="1.0" encoding="utf-8"?>
-<p:properties xmlns:p="http://schemas.microsoft.com/office/2006/metadata/properties" xmlns:xsi="http://www.w3.org/2001/XMLSchema-instance" xmlns:pc="http://schemas.microsoft.com/office/infopath/2007/PartnerControls">
-  <documentManagement/>
-</p:properties>
-</file>
-
 <file path=customXml/itemProps1.xml><?xml version="1.0" encoding="utf-8"?>
 <ds:datastoreItem xmlns:ds="http://schemas.openxmlformats.org/officeDocument/2006/customXml" ds:itemID="{09F3C062-D38F-48CE-91BA-6E0D2C668D03}">
   <ds:schemaRefs>
@@ -16886,6 +16930,23 @@
 </file>
 
 <file path=customXml/itemProps2.xml><?xml version="1.0" encoding="utf-8"?>
+<ds:datastoreItem xmlns:ds="http://schemas.openxmlformats.org/officeDocument/2006/customXml" ds:itemID="{EC2C04E8-859A-4A48-8B82-9D65E9A426FA}">
+  <ds:schemaRefs>
+    <ds:schemaRef ds:uri="http://purl.org/dc/elements/1.1/"/>
+    <ds:schemaRef ds:uri="http://schemas.openxmlformats.org/package/2006/metadata/core-properties"/>
+    <ds:schemaRef ds:uri="c946b7e2-cc54-4581-898e-1f5d59eaacce"/>
+    <ds:schemaRef ds:uri="http://purl.org/dc/dcmitype/"/>
+    <ds:schemaRef ds:uri="http://schemas.microsoft.com/office/infopath/2007/PartnerControls"/>
+    <ds:schemaRef ds:uri="http://purl.org/dc/terms/"/>
+    <ds:schemaRef ds:uri="http://schemas.microsoft.com/office/2006/metadata/properties"/>
+    <ds:schemaRef ds:uri="http://schemas.microsoft.com/office/2006/documentManagement/types"/>
+    <ds:schemaRef ds:uri="bb43da5c-49da-475c-8c5c-3244aed61b0c"/>
+    <ds:schemaRef ds:uri="http://www.w3.org/XML/1998/namespace"/>
+  </ds:schemaRefs>
+</ds:datastoreItem>
+</file>
+
+<file path=customXml/itemProps3.xml><?xml version="1.0" encoding="utf-8"?>
 <ds:datastoreItem xmlns:ds="http://schemas.openxmlformats.org/officeDocument/2006/customXml" ds:itemID="{12D208BF-EEC9-45B6-8386-1DCA7AC396C0}">
   <ds:schemaRefs>
     <ds:schemaRef ds:uri="http://schemas.microsoft.com/office/2006/metadata/contentType"/>
@@ -16902,21 +16963,4 @@
     <ds:schemaRef ds:uri="http://schemas.microsoft.com/internal/obd"/>
   </ds:schemaRefs>
 </ds:datastoreItem>
-</file>
-
-<file path=customXml/itemProps3.xml><?xml version="1.0" encoding="utf-8"?>
-<ds:datastoreItem xmlns:ds="http://schemas.openxmlformats.org/officeDocument/2006/customXml" ds:itemID="{EC2C04E8-859A-4A48-8B82-9D65E9A426FA}">
-  <ds:schemaRefs>
-    <ds:schemaRef ds:uri="http://purl.org/dc/elements/1.1/"/>
-    <ds:schemaRef ds:uri="http://schemas.openxmlformats.org/package/2006/metadata/core-properties"/>
-    <ds:schemaRef ds:uri="c946b7e2-cc54-4581-898e-1f5d59eaacce"/>
-    <ds:schemaRef ds:uri="http://purl.org/dc/dcmitype/"/>
-    <ds:schemaRef ds:uri="http://schemas.microsoft.com/office/infopath/2007/PartnerControls"/>
-    <ds:schemaRef ds:uri="http://purl.org/dc/terms/"/>
-    <ds:schemaRef ds:uri="http://schemas.microsoft.com/office/2006/metadata/properties"/>
-    <ds:schemaRef ds:uri="http://schemas.microsoft.com/office/2006/documentManagement/types"/>
-    <ds:schemaRef ds:uri="bb43da5c-49da-475c-8c5c-3244aed61b0c"/>
-    <ds:schemaRef ds:uri="http://www.w3.org/XML/1998/namespace"/>
-  </ds:schemaRefs>
-</ds:datastoreItem>
 </file>